--- a/Presentación inicial.pptx
+++ b/Presentación inicial.pptx
@@ -108,7 +108,49 @@
       </a:defRPr>
     </a:lvl9pPr>
   </p:defaultTextStyle>
+  <p:extLst>
+    <p:ext uri="{EFAFB233-063F-42B5-8137-9DF3F51BA10A}">
+      <p15:sldGuideLst xmlns:p15="http://schemas.microsoft.com/office/powerpoint/2012/main"/>
+    </p:ext>
+  </p:extLst>
 </p:presentation>
+</file>
+
+<file path=ppt/changesInfos/changesInfo1.xml><?xml version="1.0" encoding="utf-8"?>
+<pc:chgInfo xmlns:a="http://schemas.openxmlformats.org/drawingml/2006/main" xmlns:r="http://schemas.openxmlformats.org/officeDocument/2006/relationships" xmlns:ac="http://schemas.microsoft.com/office/drawing/2013/main/command" xmlns:pc="http://schemas.microsoft.com/office/powerpoint/2013/main/command">
+  <pc:docChgLst>
+    <pc:chgData name="sebastian lopez" userId="5ef6d23f19357a96" providerId="LiveId" clId="{6D7A7F93-15B2-468F-A532-C883F236B6D3}"/>
+    <pc:docChg chg="custSel addSld delSld modSld">
+      <pc:chgData name="sebastian lopez" userId="5ef6d23f19357a96" providerId="LiveId" clId="{6D7A7F93-15B2-468F-A532-C883F236B6D3}" dt="2022-04-06T00:16:59.160" v="3" actId="2696"/>
+      <pc:docMkLst>
+        <pc:docMk/>
+      </pc:docMkLst>
+      <pc:sldChg chg="delSp new del mod">
+        <pc:chgData name="sebastian lopez" userId="5ef6d23f19357a96" providerId="LiveId" clId="{6D7A7F93-15B2-468F-A532-C883F236B6D3}" dt="2022-04-06T00:16:59.160" v="3" actId="2696"/>
+        <pc:sldMkLst>
+          <pc:docMk/>
+          <pc:sldMk cId="4094956548" sldId="261"/>
+        </pc:sldMkLst>
+        <pc:spChg chg="del">
+          <ac:chgData name="sebastian lopez" userId="5ef6d23f19357a96" providerId="LiveId" clId="{6D7A7F93-15B2-468F-A532-C883F236B6D3}" dt="2022-04-06T00:06:48.614" v="1" actId="478"/>
+          <ac:spMkLst>
+            <pc:docMk/>
+            <pc:sldMk cId="4094956548" sldId="261"/>
+            <ac:spMk id="2" creationId="{42126694-3021-4718-A41D-5B5FF76BDB41}"/>
+          </ac:spMkLst>
+        </pc:spChg>
+        <pc:spChg chg="del">
+          <ac:chgData name="sebastian lopez" userId="5ef6d23f19357a96" providerId="LiveId" clId="{6D7A7F93-15B2-468F-A532-C883F236B6D3}" dt="2022-04-06T00:06:52.744" v="2" actId="478"/>
+          <ac:spMkLst>
+            <pc:docMk/>
+            <pc:sldMk cId="4094956548" sldId="261"/>
+            <ac:spMk id="3" creationId="{90897049-85C3-44C9-817A-B95C58BD2EC4}"/>
+          </ac:spMkLst>
+        </pc:spChg>
+      </pc:sldChg>
+    </pc:docChg>
+  </pc:docChgLst>
+</pc:chgInfo>
 </file>
 
 <file path=ppt/slideLayouts/slideLayout1.xml><?xml version="1.0" encoding="utf-8"?>
@@ -168,7 +210,7 @@
           <a:noFill/>
           <a:extLst>
             <a:ext uri="{909E8E84-426E-40dd-AFC4-6F175D3DCCD1}">
-              <a14:hiddenFill xmlns:a14="http://schemas.microsoft.com/office/drawing/2010/main" xmlns="">
+              <a14:hiddenFill xmlns="" xmlns:a14="http://schemas.microsoft.com/office/drawing/2010/main">
                 <a:solidFill>
                   <a:srgbClr val="FFFFFF"/>
                 </a:solidFill>
@@ -227,7 +269,7 @@
             </a:ln>
             <a:extLst>
               <a:ext uri="{91240B29-F687-4f45-9708-019B960494DF}">
-                <a14:hiddenLine xmlns:a14="http://schemas.microsoft.com/office/drawing/2010/main" xmlns="" w="9525">
+                <a14:hiddenLine xmlns="" xmlns:a14="http://schemas.microsoft.com/office/drawing/2010/main" w="9525">
                   <a:solidFill>
                     <a:srgbClr val="000000"/>
                   </a:solidFill>
@@ -317,7 +359,7 @@
             </a:ln>
             <a:extLst>
               <a:ext uri="{91240B29-F687-4f45-9708-019B960494DF}">
-                <a14:hiddenLine xmlns:a14="http://schemas.microsoft.com/office/drawing/2010/main" xmlns="" w="9525">
+                <a14:hiddenLine xmlns="" xmlns:a14="http://schemas.microsoft.com/office/drawing/2010/main" w="9525">
                   <a:solidFill>
                     <a:srgbClr val="000000"/>
                   </a:solidFill>
@@ -407,7 +449,7 @@
             </a:ln>
             <a:extLst>
               <a:ext uri="{91240B29-F687-4f45-9708-019B960494DF}">
-                <a14:hiddenLine xmlns:a14="http://schemas.microsoft.com/office/drawing/2010/main" xmlns="" w="9525">
+                <a14:hiddenLine xmlns="" xmlns:a14="http://schemas.microsoft.com/office/drawing/2010/main" w="9525">
                   <a:solidFill>
                     <a:srgbClr val="000000"/>
                   </a:solidFill>
@@ -441,7 +483,7 @@
             </a:ln>
             <a:extLst>
               <a:ext uri="{91240B29-F687-4f45-9708-019B960494DF}">
-                <a14:hiddenLine xmlns:a14="http://schemas.microsoft.com/office/drawing/2010/main" xmlns="" w="9525">
+                <a14:hiddenLine xmlns="" xmlns:a14="http://schemas.microsoft.com/office/drawing/2010/main" w="9525">
                   <a:solidFill>
                     <a:srgbClr val="000000"/>
                   </a:solidFill>
@@ -531,7 +573,7 @@
             </a:ln>
             <a:extLst>
               <a:ext uri="{91240B29-F687-4f45-9708-019B960494DF}">
-                <a14:hiddenLine xmlns:a14="http://schemas.microsoft.com/office/drawing/2010/main" xmlns="" w="9525">
+                <a14:hiddenLine xmlns="" xmlns:a14="http://schemas.microsoft.com/office/drawing/2010/main" w="9525">
                   <a:solidFill>
                     <a:srgbClr val="000000"/>
                   </a:solidFill>
@@ -593,7 +635,7 @@
             </a:ln>
             <a:extLst>
               <a:ext uri="{91240B29-F687-4f45-9708-019B960494DF}">
-                <a14:hiddenLine xmlns:a14="http://schemas.microsoft.com/office/drawing/2010/main" xmlns="" w="9525">
+                <a14:hiddenLine xmlns="" xmlns:a14="http://schemas.microsoft.com/office/drawing/2010/main" w="9525">
                   <a:solidFill>
                     <a:srgbClr val="000000"/>
                   </a:solidFill>
@@ -655,7 +697,7 @@
             </a:ln>
             <a:extLst>
               <a:ext uri="{91240B29-F687-4f45-9708-019B960494DF}">
-                <a14:hiddenLine xmlns:a14="http://schemas.microsoft.com/office/drawing/2010/main" xmlns="" w="9525">
+                <a14:hiddenLine xmlns="" xmlns:a14="http://schemas.microsoft.com/office/drawing/2010/main" w="9525">
                   <a:solidFill>
                     <a:srgbClr val="000000"/>
                   </a:solidFill>
@@ -745,7 +787,7 @@
             </a:ln>
             <a:extLst>
               <a:ext uri="{91240B29-F687-4f45-9708-019B960494DF}">
-                <a14:hiddenLine xmlns:a14="http://schemas.microsoft.com/office/drawing/2010/main" xmlns="" w="9525">
+                <a14:hiddenLine xmlns="" xmlns:a14="http://schemas.microsoft.com/office/drawing/2010/main" w="9525">
                   <a:solidFill>
                     <a:srgbClr val="000000"/>
                   </a:solidFill>
@@ -807,7 +849,7 @@
             </a:ln>
             <a:extLst>
               <a:ext uri="{91240B29-F687-4f45-9708-019B960494DF}">
-                <a14:hiddenLine xmlns:a14="http://schemas.microsoft.com/office/drawing/2010/main" xmlns="" w="9525">
+                <a14:hiddenLine xmlns="" xmlns:a14="http://schemas.microsoft.com/office/drawing/2010/main" w="9525">
                   <a:solidFill>
                     <a:srgbClr val="000000"/>
                   </a:solidFill>
@@ -869,7 +911,7 @@
             </a:ln>
             <a:extLst>
               <a:ext uri="{91240B29-F687-4f45-9708-019B960494DF}">
-                <a14:hiddenLine xmlns:a14="http://schemas.microsoft.com/office/drawing/2010/main" xmlns="" w="9525">
+                <a14:hiddenLine xmlns="" xmlns:a14="http://schemas.microsoft.com/office/drawing/2010/main" w="9525">
                   <a:solidFill>
                     <a:srgbClr val="000000"/>
                   </a:solidFill>
@@ -959,7 +1001,7 @@
             </a:ln>
             <a:extLst>
               <a:ext uri="{91240B29-F687-4f45-9708-019B960494DF}">
-                <a14:hiddenLine xmlns:a14="http://schemas.microsoft.com/office/drawing/2010/main" xmlns="" w="9525">
+                <a14:hiddenLine xmlns="" xmlns:a14="http://schemas.microsoft.com/office/drawing/2010/main" w="9525">
                   <a:solidFill>
                     <a:srgbClr val="000000"/>
                   </a:solidFill>
@@ -1049,7 +1091,7 @@
             </a:ln>
             <a:extLst>
               <a:ext uri="{91240B29-F687-4f45-9708-019B960494DF}">
-                <a14:hiddenLine xmlns:a14="http://schemas.microsoft.com/office/drawing/2010/main" xmlns="" w="9525">
+                <a14:hiddenLine xmlns="" xmlns:a14="http://schemas.microsoft.com/office/drawing/2010/main" w="9525">
                   <a:solidFill>
                     <a:srgbClr val="000000"/>
                   </a:solidFill>
@@ -1111,7 +1153,7 @@
             </a:ln>
             <a:extLst>
               <a:ext uri="{91240B29-F687-4f45-9708-019B960494DF}">
-                <a14:hiddenLine xmlns:a14="http://schemas.microsoft.com/office/drawing/2010/main" xmlns="" w="9525">
+                <a14:hiddenLine xmlns="" xmlns:a14="http://schemas.microsoft.com/office/drawing/2010/main" w="9525">
                   <a:solidFill>
                     <a:srgbClr val="000000"/>
                   </a:solidFill>
@@ -1221,7 +1263,7 @@
             </a:ln>
             <a:extLst>
               <a:ext uri="{91240B29-F687-4f45-9708-019B960494DF}">
-                <a14:hiddenLine xmlns:a14="http://schemas.microsoft.com/office/drawing/2010/main" xmlns="" w="9525">
+                <a14:hiddenLine xmlns="" xmlns:a14="http://schemas.microsoft.com/office/drawing/2010/main" w="9525">
                   <a:solidFill>
                     <a:srgbClr val="000000"/>
                   </a:solidFill>
@@ -1283,7 +1325,7 @@
             </a:ln>
             <a:extLst>
               <a:ext uri="{91240B29-F687-4f45-9708-019B960494DF}">
-                <a14:hiddenLine xmlns:a14="http://schemas.microsoft.com/office/drawing/2010/main" xmlns="" w="9525">
+                <a14:hiddenLine xmlns="" xmlns:a14="http://schemas.microsoft.com/office/drawing/2010/main" w="9525">
                   <a:solidFill>
                     <a:srgbClr val="000000"/>
                   </a:solidFill>
@@ -1373,7 +1415,7 @@
             </a:ln>
             <a:extLst>
               <a:ext uri="{91240B29-F687-4f45-9708-019B960494DF}">
-                <a14:hiddenLine xmlns:a14="http://schemas.microsoft.com/office/drawing/2010/main" xmlns="" w="9525">
+                <a14:hiddenLine xmlns="" xmlns:a14="http://schemas.microsoft.com/office/drawing/2010/main" w="9525">
                   <a:solidFill>
                     <a:srgbClr val="000000"/>
                   </a:solidFill>
@@ -1463,7 +1505,7 @@
             </a:ln>
             <a:extLst>
               <a:ext uri="{91240B29-F687-4f45-9708-019B960494DF}">
-                <a14:hiddenLine xmlns:a14="http://schemas.microsoft.com/office/drawing/2010/main" xmlns="" w="9525">
+                <a14:hiddenLine xmlns="" xmlns:a14="http://schemas.microsoft.com/office/drawing/2010/main" w="9525">
                   <a:solidFill>
                     <a:srgbClr val="000000"/>
                   </a:solidFill>
@@ -1525,7 +1567,7 @@
             </a:ln>
             <a:extLst>
               <a:ext uri="{91240B29-F687-4f45-9708-019B960494DF}">
-                <a14:hiddenLine xmlns:a14="http://schemas.microsoft.com/office/drawing/2010/main" xmlns="" w="9525">
+                <a14:hiddenLine xmlns="" xmlns:a14="http://schemas.microsoft.com/office/drawing/2010/main" w="9525">
                   <a:solidFill>
                     <a:srgbClr val="000000"/>
                   </a:solidFill>
@@ -1615,7 +1657,7 @@
             </a:ln>
             <a:extLst>
               <a:ext uri="{91240B29-F687-4f45-9708-019B960494DF}">
-                <a14:hiddenLine xmlns:a14="http://schemas.microsoft.com/office/drawing/2010/main" xmlns="" w="9525">
+                <a14:hiddenLine xmlns="" xmlns:a14="http://schemas.microsoft.com/office/drawing/2010/main" w="9525">
                   <a:solidFill>
                     <a:srgbClr val="000000"/>
                   </a:solidFill>
@@ -1705,7 +1747,7 @@
             </a:ln>
             <a:extLst>
               <a:ext uri="{91240B29-F687-4f45-9708-019B960494DF}">
-                <a14:hiddenLine xmlns:a14="http://schemas.microsoft.com/office/drawing/2010/main" xmlns="" w="9525">
+                <a14:hiddenLine xmlns="" xmlns:a14="http://schemas.microsoft.com/office/drawing/2010/main" w="9525">
                   <a:solidFill>
                     <a:srgbClr val="000000"/>
                   </a:solidFill>
@@ -1761,7 +1803,7 @@
             </a:ln>
             <a:extLst>
               <a:ext uri="{91240B29-F687-4f45-9708-019B960494DF}">
-                <a14:hiddenLine xmlns:a14="http://schemas.microsoft.com/office/drawing/2010/main" xmlns="" w="9525">
+                <a14:hiddenLine xmlns="" xmlns:a14="http://schemas.microsoft.com/office/drawing/2010/main" w="9525">
                   <a:solidFill>
                     <a:srgbClr val="000000"/>
                   </a:solidFill>
@@ -1851,7 +1893,7 @@
             </a:ln>
             <a:extLst>
               <a:ext uri="{91240B29-F687-4f45-9708-019B960494DF}">
-                <a14:hiddenLine xmlns:a14="http://schemas.microsoft.com/office/drawing/2010/main" xmlns="" w="9525">
+                <a14:hiddenLine xmlns="" xmlns:a14="http://schemas.microsoft.com/office/drawing/2010/main" w="9525">
                   <a:solidFill>
                     <a:srgbClr val="000000"/>
                   </a:solidFill>
@@ -1907,7 +1949,7 @@
             </a:ln>
             <a:extLst>
               <a:ext uri="{91240B29-F687-4f45-9708-019B960494DF}">
-                <a14:hiddenLine xmlns:a14="http://schemas.microsoft.com/office/drawing/2010/main" xmlns="" w="9525">
+                <a14:hiddenLine xmlns="" xmlns:a14="http://schemas.microsoft.com/office/drawing/2010/main" w="9525">
                   <a:solidFill>
                     <a:srgbClr val="000000"/>
                   </a:solidFill>
@@ -1997,7 +2039,7 @@
             </a:ln>
             <a:extLst>
               <a:ext uri="{91240B29-F687-4f45-9708-019B960494DF}">
-                <a14:hiddenLine xmlns:a14="http://schemas.microsoft.com/office/drawing/2010/main" xmlns="" w="9525">
+                <a14:hiddenLine xmlns="" xmlns:a14="http://schemas.microsoft.com/office/drawing/2010/main" w="9525">
                   <a:solidFill>
                     <a:srgbClr val="000000"/>
                   </a:solidFill>
@@ -2065,7 +2107,7 @@
             </a:ln>
             <a:extLst>
               <a:ext uri="{91240B29-F687-4f45-9708-019B960494DF}">
-                <a14:hiddenLine xmlns:a14="http://schemas.microsoft.com/office/drawing/2010/main" xmlns="" w="9525">
+                <a14:hiddenLine xmlns="" xmlns:a14="http://schemas.microsoft.com/office/drawing/2010/main" w="9525">
                   <a:solidFill>
                     <a:srgbClr val="000000"/>
                   </a:solidFill>
@@ -2155,7 +2197,7 @@
             </a:ln>
             <a:extLst>
               <a:ext uri="{91240B29-F687-4f45-9708-019B960494DF}">
-                <a14:hiddenLine xmlns:a14="http://schemas.microsoft.com/office/drawing/2010/main" xmlns="" w="9525">
+                <a14:hiddenLine xmlns="" xmlns:a14="http://schemas.microsoft.com/office/drawing/2010/main" w="9525">
                   <a:solidFill>
                     <a:srgbClr val="000000"/>
                   </a:solidFill>
@@ -2223,7 +2265,7 @@
             </a:ln>
             <a:extLst>
               <a:ext uri="{91240B29-F687-4f45-9708-019B960494DF}">
-                <a14:hiddenLine xmlns:a14="http://schemas.microsoft.com/office/drawing/2010/main" xmlns="" w="9525">
+                <a14:hiddenLine xmlns="" xmlns:a14="http://schemas.microsoft.com/office/drawing/2010/main" w="9525">
                   <a:solidFill>
                     <a:srgbClr val="000000"/>
                   </a:solidFill>
@@ -2313,7 +2355,7 @@
             </a:ln>
             <a:extLst>
               <a:ext uri="{91240B29-F687-4f45-9708-019B960494DF}">
-                <a14:hiddenLine xmlns:a14="http://schemas.microsoft.com/office/drawing/2010/main" xmlns="" w="9525">
+                <a14:hiddenLine xmlns="" xmlns:a14="http://schemas.microsoft.com/office/drawing/2010/main" w="9525">
                   <a:solidFill>
                     <a:srgbClr val="000000"/>
                   </a:solidFill>
@@ -2347,7 +2389,7 @@
             </a:ln>
             <a:extLst>
               <a:ext uri="{91240B29-F687-4f45-9708-019B960494DF}">
-                <a14:hiddenLine xmlns:a14="http://schemas.microsoft.com/office/drawing/2010/main" xmlns="" w="9525">
+                <a14:hiddenLine xmlns="" xmlns:a14="http://schemas.microsoft.com/office/drawing/2010/main" w="9525">
                   <a:solidFill>
                     <a:srgbClr val="000000"/>
                   </a:solidFill>
@@ -2437,7 +2479,7 @@
             </a:ln>
             <a:extLst>
               <a:ext uri="{91240B29-F687-4f45-9708-019B960494DF}">
-                <a14:hiddenLine xmlns:a14="http://schemas.microsoft.com/office/drawing/2010/main" xmlns="" w="9525">
+                <a14:hiddenLine xmlns="" xmlns:a14="http://schemas.microsoft.com/office/drawing/2010/main" w="9525">
                   <a:solidFill>
                     <a:srgbClr val="000000"/>
                   </a:solidFill>
@@ -2499,7 +2541,7 @@
             </a:ln>
             <a:extLst>
               <a:ext uri="{91240B29-F687-4f45-9708-019B960494DF}">
-                <a14:hiddenLine xmlns:a14="http://schemas.microsoft.com/office/drawing/2010/main" xmlns="" w="9525">
+                <a14:hiddenLine xmlns="" xmlns:a14="http://schemas.microsoft.com/office/drawing/2010/main" w="9525">
                   <a:solidFill>
                     <a:srgbClr val="000000"/>
                   </a:solidFill>
@@ -2561,7 +2603,7 @@
             </a:ln>
             <a:extLst>
               <a:ext uri="{91240B29-F687-4f45-9708-019B960494DF}">
-                <a14:hiddenLine xmlns:a14="http://schemas.microsoft.com/office/drawing/2010/main" xmlns="" w="9525">
+                <a14:hiddenLine xmlns="" xmlns:a14="http://schemas.microsoft.com/office/drawing/2010/main" w="9525">
                   <a:solidFill>
                     <a:srgbClr val="000000"/>
                   </a:solidFill>
@@ -2651,7 +2693,7 @@
             </a:ln>
             <a:extLst>
               <a:ext uri="{91240B29-F687-4f45-9708-019B960494DF}">
-                <a14:hiddenLine xmlns:a14="http://schemas.microsoft.com/office/drawing/2010/main" xmlns="" w="9525">
+                <a14:hiddenLine xmlns="" xmlns:a14="http://schemas.microsoft.com/office/drawing/2010/main" w="9525">
                   <a:solidFill>
                     <a:srgbClr val="000000"/>
                   </a:solidFill>
@@ -2719,7 +2761,7 @@
             </a:ln>
             <a:extLst>
               <a:ext uri="{91240B29-F687-4f45-9708-019B960494DF}">
-                <a14:hiddenLine xmlns:a14="http://schemas.microsoft.com/office/drawing/2010/main" xmlns="" w="9525">
+                <a14:hiddenLine xmlns="" xmlns:a14="http://schemas.microsoft.com/office/drawing/2010/main" w="9525">
                   <a:solidFill>
                     <a:srgbClr val="000000"/>
                   </a:solidFill>
@@ -2781,7 +2823,7 @@
             </a:ln>
             <a:extLst>
               <a:ext uri="{91240B29-F687-4f45-9708-019B960494DF}">
-                <a14:hiddenLine xmlns:a14="http://schemas.microsoft.com/office/drawing/2010/main" xmlns="" w="9525">
+                <a14:hiddenLine xmlns="" xmlns:a14="http://schemas.microsoft.com/office/drawing/2010/main" w="9525">
                   <a:solidFill>
                     <a:srgbClr val="000000"/>
                   </a:solidFill>
@@ -2871,7 +2913,7 @@
             </a:ln>
             <a:extLst>
               <a:ext uri="{91240B29-F687-4f45-9708-019B960494DF}">
-                <a14:hiddenLine xmlns:a14="http://schemas.microsoft.com/office/drawing/2010/main" xmlns="" w="9525">
+                <a14:hiddenLine xmlns="" xmlns:a14="http://schemas.microsoft.com/office/drawing/2010/main" w="9525">
                   <a:solidFill>
                     <a:srgbClr val="000000"/>
                   </a:solidFill>
@@ -2933,7 +2975,7 @@
             </a:ln>
             <a:extLst>
               <a:ext uri="{91240B29-F687-4f45-9708-019B960494DF}">
-                <a14:hiddenLine xmlns:a14="http://schemas.microsoft.com/office/drawing/2010/main" xmlns="" w="9525">
+                <a14:hiddenLine xmlns="" xmlns:a14="http://schemas.microsoft.com/office/drawing/2010/main" w="9525">
                   <a:solidFill>
                     <a:srgbClr val="000000"/>
                   </a:solidFill>
@@ -3023,7 +3065,7 @@
             </a:ln>
             <a:extLst>
               <a:ext uri="{91240B29-F687-4f45-9708-019B960494DF}">
-                <a14:hiddenLine xmlns:a14="http://schemas.microsoft.com/office/drawing/2010/main" xmlns="" w="9525">
+                <a14:hiddenLine xmlns="" xmlns:a14="http://schemas.microsoft.com/office/drawing/2010/main" w="9525">
                   <a:solidFill>
                     <a:srgbClr val="000000"/>
                   </a:solidFill>
@@ -3085,7 +3127,7 @@
             </a:ln>
             <a:extLst>
               <a:ext uri="{91240B29-F687-4f45-9708-019B960494DF}">
-                <a14:hiddenLine xmlns:a14="http://schemas.microsoft.com/office/drawing/2010/main" xmlns="" w="9525">
+                <a14:hiddenLine xmlns="" xmlns:a14="http://schemas.microsoft.com/office/drawing/2010/main" w="9525">
                   <a:solidFill>
                     <a:srgbClr val="000000"/>
                   </a:solidFill>
@@ -3175,7 +3217,7 @@
             </a:ln>
             <a:extLst>
               <a:ext uri="{91240B29-F687-4f45-9708-019B960494DF}">
-                <a14:hiddenLine xmlns:a14="http://schemas.microsoft.com/office/drawing/2010/main" xmlns="" w="9525">
+                <a14:hiddenLine xmlns="" xmlns:a14="http://schemas.microsoft.com/office/drawing/2010/main" w="9525">
                   <a:solidFill>
                     <a:srgbClr val="000000"/>
                   </a:solidFill>
@@ -3209,7 +3251,7 @@
             </a:ln>
             <a:extLst>
               <a:ext uri="{91240B29-F687-4f45-9708-019B960494DF}">
-                <a14:hiddenLine xmlns:a14="http://schemas.microsoft.com/office/drawing/2010/main" xmlns="" w="9525">
+                <a14:hiddenLine xmlns="" xmlns:a14="http://schemas.microsoft.com/office/drawing/2010/main" w="9525">
                   <a:solidFill>
                     <a:srgbClr val="000000"/>
                   </a:solidFill>
@@ -3274,7 +3316,7 @@
             </a:ln>
             <a:extLst>
               <a:ext uri="{91240B29-F687-4f45-9708-019B960494DF}">
-                <a14:hiddenLine xmlns:a14="http://schemas.microsoft.com/office/drawing/2010/main" xmlns="" w="9525">
+                <a14:hiddenLine xmlns="" xmlns:a14="http://schemas.microsoft.com/office/drawing/2010/main" w="9525">
                   <a:solidFill>
                     <a:srgbClr val="000000"/>
                   </a:solidFill>
@@ -3364,7 +3406,7 @@
             </a:ln>
             <a:extLst>
               <a:ext uri="{91240B29-F687-4f45-9708-019B960494DF}">
-                <a14:hiddenLine xmlns:a14="http://schemas.microsoft.com/office/drawing/2010/main" xmlns="" w="9525">
+                <a14:hiddenLine xmlns="" xmlns:a14="http://schemas.microsoft.com/office/drawing/2010/main" w="9525">
                   <a:solidFill>
                     <a:srgbClr val="000000"/>
                   </a:solidFill>
@@ -3426,7 +3468,7 @@
             </a:ln>
             <a:extLst>
               <a:ext uri="{91240B29-F687-4f45-9708-019B960494DF}">
-                <a14:hiddenLine xmlns:a14="http://schemas.microsoft.com/office/drawing/2010/main" xmlns="" w="9525">
+                <a14:hiddenLine xmlns="" xmlns:a14="http://schemas.microsoft.com/office/drawing/2010/main" w="9525">
                   <a:solidFill>
                     <a:srgbClr val="000000"/>
                   </a:solidFill>
@@ -3516,7 +3558,7 @@
             </a:ln>
             <a:extLst>
               <a:ext uri="{91240B29-F687-4f45-9708-019B960494DF}">
-                <a14:hiddenLine xmlns:a14="http://schemas.microsoft.com/office/drawing/2010/main" xmlns="" w="9525">
+                <a14:hiddenLine xmlns="" xmlns:a14="http://schemas.microsoft.com/office/drawing/2010/main" w="9525">
                   <a:solidFill>
                     <a:srgbClr val="000000"/>
                   </a:solidFill>
@@ -3606,7 +3648,7 @@
             </a:ln>
             <a:extLst>
               <a:ext uri="{91240B29-F687-4f45-9708-019B960494DF}">
-                <a14:hiddenLine xmlns:a14="http://schemas.microsoft.com/office/drawing/2010/main" xmlns="" w="9525">
+                <a14:hiddenLine xmlns="" xmlns:a14="http://schemas.microsoft.com/office/drawing/2010/main" w="9525">
                   <a:solidFill>
                     <a:srgbClr val="000000"/>
                   </a:solidFill>
@@ -3671,7 +3713,7 @@
             </a:ln>
             <a:extLst>
               <a:ext uri="{91240B29-F687-4f45-9708-019B960494DF}">
-                <a14:hiddenLine xmlns:a14="http://schemas.microsoft.com/office/drawing/2010/main" xmlns="" w="9525">
+                <a14:hiddenLine xmlns="" xmlns:a14="http://schemas.microsoft.com/office/drawing/2010/main" w="9525">
                   <a:solidFill>
                     <a:srgbClr val="000000"/>
                   </a:solidFill>
@@ -3733,7 +3775,7 @@
             </a:ln>
             <a:extLst>
               <a:ext uri="{91240B29-F687-4f45-9708-019B960494DF}">
-                <a14:hiddenLine xmlns:a14="http://schemas.microsoft.com/office/drawing/2010/main" xmlns="" w="9525">
+                <a14:hiddenLine xmlns="" xmlns:a14="http://schemas.microsoft.com/office/drawing/2010/main" w="9525">
                   <a:solidFill>
                     <a:srgbClr val="000000"/>
                   </a:solidFill>
@@ -3823,7 +3865,7 @@
             </a:ln>
             <a:extLst>
               <a:ext uri="{91240B29-F687-4f45-9708-019B960494DF}">
-                <a14:hiddenLine xmlns:a14="http://schemas.microsoft.com/office/drawing/2010/main" xmlns="" w="9525">
+                <a14:hiddenLine xmlns="" xmlns:a14="http://schemas.microsoft.com/office/drawing/2010/main" w="9525">
                   <a:solidFill>
                     <a:srgbClr val="000000"/>
                   </a:solidFill>
@@ -3913,7 +3955,7 @@
             </a:ln>
             <a:extLst>
               <a:ext uri="{91240B29-F687-4f45-9708-019B960494DF}">
-                <a14:hiddenLine xmlns:a14="http://schemas.microsoft.com/office/drawing/2010/main" xmlns="" w="9525">
+                <a14:hiddenLine xmlns="" xmlns:a14="http://schemas.microsoft.com/office/drawing/2010/main" w="9525">
                   <a:solidFill>
                     <a:srgbClr val="000000"/>
                   </a:solidFill>
@@ -3975,7 +4017,7 @@
             </a:ln>
             <a:extLst>
               <a:ext uri="{91240B29-F687-4f45-9708-019B960494DF}">
-                <a14:hiddenLine xmlns:a14="http://schemas.microsoft.com/office/drawing/2010/main" xmlns="" w="9525">
+                <a14:hiddenLine xmlns="" xmlns:a14="http://schemas.microsoft.com/office/drawing/2010/main" w="9525">
                   <a:solidFill>
                     <a:srgbClr val="000000"/>
                   </a:solidFill>
@@ -4095,7 +4137,7 @@
             </a:ln>
             <a:extLst>
               <a:ext uri="{91240B29-F687-4f45-9708-019B960494DF}">
-                <a14:hiddenLine xmlns:a14="http://schemas.microsoft.com/office/drawing/2010/main" xmlns="" w="9525">
+                <a14:hiddenLine xmlns="" xmlns:a14="http://schemas.microsoft.com/office/drawing/2010/main" w="9525">
                   <a:solidFill>
                     <a:srgbClr val="000000"/>
                   </a:solidFill>
@@ -4163,7 +4205,7 @@
             </a:ln>
             <a:extLst>
               <a:ext uri="{91240B29-F687-4f45-9708-019B960494DF}">
-                <a14:hiddenLine xmlns:a14="http://schemas.microsoft.com/office/drawing/2010/main" xmlns="" w="9525">
+                <a14:hiddenLine xmlns="" xmlns:a14="http://schemas.microsoft.com/office/drawing/2010/main" w="9525">
                   <a:solidFill>
                     <a:srgbClr val="000000"/>
                   </a:solidFill>
@@ -4253,7 +4295,7 @@
             </a:ln>
             <a:extLst>
               <a:ext uri="{91240B29-F687-4f45-9708-019B960494DF}">
-                <a14:hiddenLine xmlns:a14="http://schemas.microsoft.com/office/drawing/2010/main" xmlns="" w="9525">
+                <a14:hiddenLine xmlns="" xmlns:a14="http://schemas.microsoft.com/office/drawing/2010/main" w="9525">
                   <a:solidFill>
                     <a:srgbClr val="000000"/>
                   </a:solidFill>
@@ -8982,7 +9024,7 @@
           <a:noFill/>
           <a:extLst>
             <a:ext uri="{909E8E84-426E-40dd-AFC4-6F175D3DCCD1}">
-              <a14:hiddenFill xmlns:a14="http://schemas.microsoft.com/office/drawing/2010/main" xmlns="">
+              <a14:hiddenFill xmlns="" xmlns:a14="http://schemas.microsoft.com/office/drawing/2010/main">
                 <a:solidFill>
                   <a:srgbClr val="FFFFFF"/>
                 </a:solidFill>
@@ -9056,7 +9098,7 @@
               </a:ln>
               <a:extLst>
                 <a:ext uri="{91240B29-F687-4f45-9708-019B960494DF}">
-                  <a14:hiddenLine xmlns:a14="http://schemas.microsoft.com/office/drawing/2010/main" xmlns="" w="9525">
+                  <a14:hiddenLine xmlns="" xmlns:a14="http://schemas.microsoft.com/office/drawing/2010/main" w="9525">
                     <a:solidFill>
                       <a:srgbClr val="000000"/>
                     </a:solidFill>
@@ -9146,7 +9188,7 @@
               </a:ln>
               <a:extLst>
                 <a:ext uri="{91240B29-F687-4f45-9708-019B960494DF}">
-                  <a14:hiddenLine xmlns:a14="http://schemas.microsoft.com/office/drawing/2010/main" xmlns="" w="9525">
+                  <a14:hiddenLine xmlns="" xmlns:a14="http://schemas.microsoft.com/office/drawing/2010/main" w="9525">
                     <a:solidFill>
                       <a:srgbClr val="000000"/>
                     </a:solidFill>
@@ -9236,7 +9278,7 @@
               </a:ln>
               <a:extLst>
                 <a:ext uri="{91240B29-F687-4f45-9708-019B960494DF}">
-                  <a14:hiddenLine xmlns:a14="http://schemas.microsoft.com/office/drawing/2010/main" xmlns="" w="9525">
+                  <a14:hiddenLine xmlns="" xmlns:a14="http://schemas.microsoft.com/office/drawing/2010/main" w="9525">
                     <a:solidFill>
                       <a:srgbClr val="000000"/>
                     </a:solidFill>
@@ -9298,7 +9340,7 @@
               </a:ln>
               <a:extLst>
                 <a:ext uri="{91240B29-F687-4f45-9708-019B960494DF}">
-                  <a14:hiddenLine xmlns:a14="http://schemas.microsoft.com/office/drawing/2010/main" xmlns="" w="9525">
+                  <a14:hiddenLine xmlns="" xmlns:a14="http://schemas.microsoft.com/office/drawing/2010/main" w="9525">
                     <a:solidFill>
                       <a:srgbClr val="000000"/>
                     </a:solidFill>
@@ -9388,7 +9430,7 @@
               </a:ln>
               <a:extLst>
                 <a:ext uri="{91240B29-F687-4f45-9708-019B960494DF}">
-                  <a14:hiddenLine xmlns:a14="http://schemas.microsoft.com/office/drawing/2010/main" xmlns="" w="9525">
+                  <a14:hiddenLine xmlns="" xmlns:a14="http://schemas.microsoft.com/office/drawing/2010/main" w="9525">
                     <a:solidFill>
                       <a:srgbClr val="000000"/>
                     </a:solidFill>
@@ -9450,7 +9492,7 @@
               </a:ln>
               <a:extLst>
                 <a:ext uri="{91240B29-F687-4f45-9708-019B960494DF}">
-                  <a14:hiddenLine xmlns:a14="http://schemas.microsoft.com/office/drawing/2010/main" xmlns="" w="9525">
+                  <a14:hiddenLine xmlns="" xmlns:a14="http://schemas.microsoft.com/office/drawing/2010/main" w="9525">
                     <a:solidFill>
                       <a:srgbClr val="000000"/>
                     </a:solidFill>
@@ -9512,7 +9554,7 @@
               </a:ln>
               <a:extLst>
                 <a:ext uri="{91240B29-F687-4f45-9708-019B960494DF}">
-                  <a14:hiddenLine xmlns:a14="http://schemas.microsoft.com/office/drawing/2010/main" xmlns="" w="9525">
+                  <a14:hiddenLine xmlns="" xmlns:a14="http://schemas.microsoft.com/office/drawing/2010/main" w="9525">
                     <a:solidFill>
                       <a:srgbClr val="000000"/>
                     </a:solidFill>
@@ -9602,7 +9644,7 @@
               </a:ln>
               <a:extLst>
                 <a:ext uri="{91240B29-F687-4f45-9708-019B960494DF}">
-                  <a14:hiddenLine xmlns:a14="http://schemas.microsoft.com/office/drawing/2010/main" xmlns="" w="9525">
+                  <a14:hiddenLine xmlns="" xmlns:a14="http://schemas.microsoft.com/office/drawing/2010/main" w="9525">
                     <a:solidFill>
                       <a:srgbClr val="000000"/>
                     </a:solidFill>
@@ -9692,7 +9734,7 @@
               </a:ln>
               <a:extLst>
                 <a:ext uri="{91240B29-F687-4f45-9708-019B960494DF}">
-                  <a14:hiddenLine xmlns:a14="http://schemas.microsoft.com/office/drawing/2010/main" xmlns="" w="9525">
+                  <a14:hiddenLine xmlns="" xmlns:a14="http://schemas.microsoft.com/office/drawing/2010/main" w="9525">
                     <a:solidFill>
                       <a:srgbClr val="000000"/>
                     </a:solidFill>
@@ -9754,7 +9796,7 @@
               </a:ln>
               <a:extLst>
                 <a:ext uri="{91240B29-F687-4f45-9708-019B960494DF}">
-                  <a14:hiddenLine xmlns:a14="http://schemas.microsoft.com/office/drawing/2010/main" xmlns="" w="9525">
+                  <a14:hiddenLine xmlns="" xmlns:a14="http://schemas.microsoft.com/office/drawing/2010/main" w="9525">
                     <a:solidFill>
                       <a:srgbClr val="000000"/>
                     </a:solidFill>
@@ -9864,7 +9906,7 @@
               </a:ln>
               <a:extLst>
                 <a:ext uri="{91240B29-F687-4f45-9708-019B960494DF}">
-                  <a14:hiddenLine xmlns:a14="http://schemas.microsoft.com/office/drawing/2010/main" xmlns="" w="9525">
+                  <a14:hiddenLine xmlns="" xmlns:a14="http://schemas.microsoft.com/office/drawing/2010/main" w="9525">
                     <a:solidFill>
                       <a:srgbClr val="000000"/>
                     </a:solidFill>
@@ -9948,7 +9990,7 @@
               </a:ln>
               <a:extLst>
                 <a:ext uri="{91240B29-F687-4f45-9708-019B960494DF}">
-                  <a14:hiddenLine xmlns:a14="http://schemas.microsoft.com/office/drawing/2010/main" xmlns="" w="9525">
+                  <a14:hiddenLine xmlns="" xmlns:a14="http://schemas.microsoft.com/office/drawing/2010/main" w="9525">
                     <a:solidFill>
                       <a:srgbClr val="000000"/>
                     </a:solidFill>
@@ -10010,7 +10052,7 @@
               </a:ln>
               <a:extLst>
                 <a:ext uri="{91240B29-F687-4f45-9708-019B960494DF}">
-                  <a14:hiddenLine xmlns:a14="http://schemas.microsoft.com/office/drawing/2010/main" xmlns="" w="9525">
+                  <a14:hiddenLine xmlns="" xmlns:a14="http://schemas.microsoft.com/office/drawing/2010/main" w="9525">
                     <a:solidFill>
                       <a:srgbClr val="000000"/>
                     </a:solidFill>
@@ -10072,7 +10114,7 @@
               </a:ln>
               <a:extLst>
                 <a:ext uri="{91240B29-F687-4f45-9708-019B960494DF}">
-                  <a14:hiddenLine xmlns:a14="http://schemas.microsoft.com/office/drawing/2010/main" xmlns="" w="9525">
+                  <a14:hiddenLine xmlns="" xmlns:a14="http://schemas.microsoft.com/office/drawing/2010/main" w="9525">
                     <a:solidFill>
                       <a:srgbClr val="000000"/>
                     </a:solidFill>
@@ -10162,7 +10204,7 @@
               </a:ln>
               <a:extLst>
                 <a:ext uri="{91240B29-F687-4f45-9708-019B960494DF}">
-                  <a14:hiddenLine xmlns:a14="http://schemas.microsoft.com/office/drawing/2010/main" xmlns="" w="9525">
+                  <a14:hiddenLine xmlns="" xmlns:a14="http://schemas.microsoft.com/office/drawing/2010/main" w="9525">
                     <a:solidFill>
                       <a:srgbClr val="000000"/>
                     </a:solidFill>
@@ -10196,7 +10238,7 @@
               </a:ln>
               <a:extLst>
                 <a:ext uri="{91240B29-F687-4f45-9708-019B960494DF}">
-                  <a14:hiddenLine xmlns:a14="http://schemas.microsoft.com/office/drawing/2010/main" xmlns="" w="9525">
+                  <a14:hiddenLine xmlns="" xmlns:a14="http://schemas.microsoft.com/office/drawing/2010/main" w="9525">
                     <a:solidFill>
                       <a:srgbClr val="000000"/>
                     </a:solidFill>
@@ -10261,7 +10303,7 @@
               </a:ln>
               <a:extLst>
                 <a:ext uri="{91240B29-F687-4f45-9708-019B960494DF}">
-                  <a14:hiddenLine xmlns:a14="http://schemas.microsoft.com/office/drawing/2010/main" xmlns="" w="9525">
+                  <a14:hiddenLine xmlns="" xmlns:a14="http://schemas.microsoft.com/office/drawing/2010/main" w="9525">
                     <a:solidFill>
                       <a:srgbClr val="000000"/>
                     </a:solidFill>
@@ -10351,7 +10393,7 @@
               </a:ln>
               <a:extLst>
                 <a:ext uri="{91240B29-F687-4f45-9708-019B960494DF}">
-                  <a14:hiddenLine xmlns:a14="http://schemas.microsoft.com/office/drawing/2010/main" xmlns="" w="9525">
+                  <a14:hiddenLine xmlns="" xmlns:a14="http://schemas.microsoft.com/office/drawing/2010/main" w="9525">
                     <a:solidFill>
                       <a:srgbClr val="000000"/>
                     </a:solidFill>
@@ -10413,7 +10455,7 @@
               </a:ln>
               <a:extLst>
                 <a:ext uri="{91240B29-F687-4f45-9708-019B960494DF}">
-                  <a14:hiddenLine xmlns:a14="http://schemas.microsoft.com/office/drawing/2010/main" xmlns="" w="9525">
+                  <a14:hiddenLine xmlns="" xmlns:a14="http://schemas.microsoft.com/office/drawing/2010/main" w="9525">
                     <a:solidFill>
                       <a:srgbClr val="000000"/>
                     </a:solidFill>
@@ -10503,7 +10545,7 @@
               </a:ln>
               <a:extLst>
                 <a:ext uri="{91240B29-F687-4f45-9708-019B960494DF}">
-                  <a14:hiddenLine xmlns:a14="http://schemas.microsoft.com/office/drawing/2010/main" xmlns="" w="9525">
+                  <a14:hiddenLine xmlns="" xmlns:a14="http://schemas.microsoft.com/office/drawing/2010/main" w="9525">
                     <a:solidFill>
                       <a:srgbClr val="000000"/>
                     </a:solidFill>
@@ -10568,7 +10610,7 @@
               </a:ln>
               <a:extLst>
                 <a:ext uri="{91240B29-F687-4f45-9708-019B960494DF}">
-                  <a14:hiddenLine xmlns:a14="http://schemas.microsoft.com/office/drawing/2010/main" xmlns="" w="9525">
+                  <a14:hiddenLine xmlns="" xmlns:a14="http://schemas.microsoft.com/office/drawing/2010/main" w="9525">
                     <a:solidFill>
                       <a:srgbClr val="000000"/>
                     </a:solidFill>
@@ -10630,7 +10672,7 @@
               </a:ln>
               <a:extLst>
                 <a:ext uri="{91240B29-F687-4f45-9708-019B960494DF}">
-                  <a14:hiddenLine xmlns:a14="http://schemas.microsoft.com/office/drawing/2010/main" xmlns="" w="9525">
+                  <a14:hiddenLine xmlns="" xmlns:a14="http://schemas.microsoft.com/office/drawing/2010/main" w="9525">
                     <a:solidFill>
                       <a:srgbClr val="000000"/>
                     </a:solidFill>
@@ -10720,7 +10762,7 @@
               </a:ln>
               <a:extLst>
                 <a:ext uri="{91240B29-F687-4f45-9708-019B960494DF}">
-                  <a14:hiddenLine xmlns:a14="http://schemas.microsoft.com/office/drawing/2010/main" xmlns="" w="9525">
+                  <a14:hiddenLine xmlns="" xmlns:a14="http://schemas.microsoft.com/office/drawing/2010/main" w="9525">
                     <a:solidFill>
                       <a:srgbClr val="000000"/>
                     </a:solidFill>
@@ -10810,7 +10852,7 @@
               </a:ln>
               <a:extLst>
                 <a:ext uri="{91240B29-F687-4f45-9708-019B960494DF}">
-                  <a14:hiddenLine xmlns:a14="http://schemas.microsoft.com/office/drawing/2010/main" xmlns="" w="9525">
+                  <a14:hiddenLine xmlns="" xmlns:a14="http://schemas.microsoft.com/office/drawing/2010/main" w="9525">
                     <a:solidFill>
                       <a:srgbClr val="000000"/>
                     </a:solidFill>
@@ -10875,7 +10917,7 @@
               </a:ln>
               <a:extLst>
                 <a:ext uri="{91240B29-F687-4f45-9708-019B960494DF}">
-                  <a14:hiddenLine xmlns:a14="http://schemas.microsoft.com/office/drawing/2010/main" xmlns="" w="9525">
+                  <a14:hiddenLine xmlns="" xmlns:a14="http://schemas.microsoft.com/office/drawing/2010/main" w="9525">
                     <a:solidFill>
                       <a:srgbClr val="000000"/>
                     </a:solidFill>
@@ -10995,7 +11037,7 @@
               </a:ln>
               <a:extLst>
                 <a:ext uri="{91240B29-F687-4f45-9708-019B960494DF}">
-                  <a14:hiddenLine xmlns:a14="http://schemas.microsoft.com/office/drawing/2010/main" xmlns="" w="9525">
+                  <a14:hiddenLine xmlns="" xmlns:a14="http://schemas.microsoft.com/office/drawing/2010/main" w="9525">
                     <a:solidFill>
                       <a:srgbClr val="000000"/>
                     </a:solidFill>
@@ -11076,7 +11118,7 @@
               </a:ln>
               <a:extLst>
                 <a:ext uri="{91240B29-F687-4f45-9708-019B960494DF}">
-                  <a14:hiddenLine xmlns:a14="http://schemas.microsoft.com/office/drawing/2010/main" xmlns="" w="9525">
+                  <a14:hiddenLine xmlns="" xmlns:a14="http://schemas.microsoft.com/office/drawing/2010/main" w="9525">
                     <a:solidFill>
                       <a:srgbClr val="000000"/>
                     </a:solidFill>
@@ -11191,7 +11233,7 @@
               </a:ln>
               <a:extLst>
                 <a:ext uri="{91240B29-F687-4f45-9708-019B960494DF}">
-                  <a14:hiddenLine xmlns:a14="http://schemas.microsoft.com/office/drawing/2010/main" xmlns="" w="9525">
+                  <a14:hiddenLine xmlns="" xmlns:a14="http://schemas.microsoft.com/office/drawing/2010/main" w="9525">
                     <a:solidFill>
                       <a:srgbClr val="000000"/>
                     </a:solidFill>
@@ -11281,7 +11323,7 @@
               </a:ln>
               <a:extLst>
                 <a:ext uri="{91240B29-F687-4f45-9708-019B960494DF}">
-                  <a14:hiddenLine xmlns:a14="http://schemas.microsoft.com/office/drawing/2010/main" xmlns="" w="9525">
+                  <a14:hiddenLine xmlns="" xmlns:a14="http://schemas.microsoft.com/office/drawing/2010/main" w="9525">
                     <a:solidFill>
                       <a:srgbClr val="000000"/>
                     </a:solidFill>
@@ -11346,7 +11388,7 @@
               </a:ln>
               <a:extLst>
                 <a:ext uri="{91240B29-F687-4f45-9708-019B960494DF}">
-                  <a14:hiddenLine xmlns:a14="http://schemas.microsoft.com/office/drawing/2010/main" xmlns="" w="9525">
+                  <a14:hiddenLine xmlns="" xmlns:a14="http://schemas.microsoft.com/office/drawing/2010/main" w="9525">
                     <a:solidFill>
                       <a:srgbClr val="000000"/>
                     </a:solidFill>
@@ -11436,7 +11478,7 @@
               </a:ln>
               <a:extLst>
                 <a:ext uri="{91240B29-F687-4f45-9708-019B960494DF}">
-                  <a14:hiddenLine xmlns:a14="http://schemas.microsoft.com/office/drawing/2010/main" xmlns="" w="9525">
+                  <a14:hiddenLine xmlns="" xmlns:a14="http://schemas.microsoft.com/office/drawing/2010/main" w="9525">
                     <a:solidFill>
                       <a:srgbClr val="000000"/>
                     </a:solidFill>
@@ -11504,7 +11546,7 @@
               </a:ln>
               <a:extLst>
                 <a:ext uri="{91240B29-F687-4f45-9708-019B960494DF}">
-                  <a14:hiddenLine xmlns:a14="http://schemas.microsoft.com/office/drawing/2010/main" xmlns="" w="9525">
+                  <a14:hiddenLine xmlns="" xmlns:a14="http://schemas.microsoft.com/office/drawing/2010/main" w="9525">
                     <a:solidFill>
                       <a:srgbClr val="000000"/>
                     </a:solidFill>
@@ -11594,7 +11636,7 @@
               </a:ln>
               <a:extLst>
                 <a:ext uri="{91240B29-F687-4f45-9708-019B960494DF}">
-                  <a14:hiddenLine xmlns:a14="http://schemas.microsoft.com/office/drawing/2010/main" xmlns="" w="9525">
+                  <a14:hiddenLine xmlns="" xmlns:a14="http://schemas.microsoft.com/office/drawing/2010/main" w="9525">
                     <a:solidFill>
                       <a:srgbClr val="000000"/>
                     </a:solidFill>
@@ -11662,7 +11704,7 @@
               </a:ln>
               <a:extLst>
                 <a:ext uri="{91240B29-F687-4f45-9708-019B960494DF}">
-                  <a14:hiddenLine xmlns:a14="http://schemas.microsoft.com/office/drawing/2010/main" xmlns="" w="9525">
+                  <a14:hiddenLine xmlns="" xmlns:a14="http://schemas.microsoft.com/office/drawing/2010/main" w="9525">
                     <a:solidFill>
                       <a:srgbClr val="000000"/>
                     </a:solidFill>
@@ -11752,7 +11794,7 @@
               </a:ln>
               <a:extLst>
                 <a:ext uri="{91240B29-F687-4f45-9708-019B960494DF}">
-                  <a14:hiddenLine xmlns:a14="http://schemas.microsoft.com/office/drawing/2010/main" xmlns="" w="9525">
+                  <a14:hiddenLine xmlns="" xmlns:a14="http://schemas.microsoft.com/office/drawing/2010/main" w="9525">
                     <a:solidFill>
                       <a:srgbClr val="000000"/>
                     </a:solidFill>
@@ -11786,7 +11828,7 @@
               </a:ln>
               <a:extLst>
                 <a:ext uri="{91240B29-F687-4f45-9708-019B960494DF}">
-                  <a14:hiddenLine xmlns:a14="http://schemas.microsoft.com/office/drawing/2010/main" xmlns="" w="9525">
+                  <a14:hiddenLine xmlns="" xmlns:a14="http://schemas.microsoft.com/office/drawing/2010/main" w="9525">
                     <a:solidFill>
                       <a:srgbClr val="000000"/>
                     </a:solidFill>
@@ -12643,7 +12685,7 @@
             <a:noFill/>
             <a:extLst>
               <a:ext uri="{909E8E84-426E-40dd-AFC4-6F175D3DCCD1}">
-                <a14:hiddenFill xmlns="" xmlns:a16="http://schemas.microsoft.com/office/drawing/2014/main" xmlns:a14="http://schemas.microsoft.com/office/drawing/2010/main" xmlns:p14="http://schemas.microsoft.com/office/powerpoint/2010/main">
+                <a14:hiddenFill xmlns:p14="http://schemas.microsoft.com/office/powerpoint/2010/main" xmlns:a14="http://schemas.microsoft.com/office/drawing/2010/main" xmlns:a16="http://schemas.microsoft.com/office/drawing/2014/main" xmlns="">
                   <a:solidFill>
                     <a:srgbClr val="FFFFFF"/>
                   </a:solidFill>
@@ -12807,7 +12849,7 @@
             </a:ln>
             <a:extLst>
               <a:ext uri="{91240B29-F687-4f45-9708-019B960494DF}">
-                <a14:hiddenLine xmlns="" xmlns:a16="http://schemas.microsoft.com/office/drawing/2014/main" xmlns:a14="http://schemas.microsoft.com/office/drawing/2010/main" xmlns:p14="http://schemas.microsoft.com/office/powerpoint/2010/main" w="9525">
+                <a14:hiddenLine xmlns:p14="http://schemas.microsoft.com/office/powerpoint/2010/main" xmlns:a14="http://schemas.microsoft.com/office/drawing/2010/main" xmlns:a16="http://schemas.microsoft.com/office/drawing/2014/main" xmlns="" w="9525">
                   <a:solidFill>
                     <a:srgbClr val="000000"/>
                   </a:solidFill>
@@ -12912,7 +12954,7 @@
             </a:ln>
             <a:extLst>
               <a:ext uri="{91240B29-F687-4f45-9708-019B960494DF}">
-                <a14:hiddenLine xmlns="" xmlns:a16="http://schemas.microsoft.com/office/drawing/2014/main" xmlns:a14="http://schemas.microsoft.com/office/drawing/2010/main" xmlns:p14="http://schemas.microsoft.com/office/powerpoint/2010/main" w="9525">
+                <a14:hiddenLine xmlns:p14="http://schemas.microsoft.com/office/powerpoint/2010/main" xmlns:a14="http://schemas.microsoft.com/office/drawing/2010/main" xmlns:a16="http://schemas.microsoft.com/office/drawing/2014/main" xmlns="" w="9525">
                   <a:solidFill>
                     <a:srgbClr val="000000"/>
                   </a:solidFill>
@@ -13017,7 +13059,7 @@
             </a:ln>
             <a:extLst>
               <a:ext uri="{91240B29-F687-4f45-9708-019B960494DF}">
-                <a14:hiddenLine xmlns="" xmlns:a16="http://schemas.microsoft.com/office/drawing/2014/main" xmlns:a14="http://schemas.microsoft.com/office/drawing/2010/main" xmlns:p14="http://schemas.microsoft.com/office/powerpoint/2010/main" w="9525">
+                <a14:hiddenLine xmlns:p14="http://schemas.microsoft.com/office/powerpoint/2010/main" xmlns:a14="http://schemas.microsoft.com/office/drawing/2010/main" xmlns:a16="http://schemas.microsoft.com/office/drawing/2014/main" xmlns="" w="9525">
                   <a:solidFill>
                     <a:srgbClr val="000000"/>
                   </a:solidFill>
@@ -13066,7 +13108,7 @@
             </a:ln>
             <a:extLst>
               <a:ext uri="{91240B29-F687-4f45-9708-019B960494DF}">
-                <a14:hiddenLine xmlns="" xmlns:a16="http://schemas.microsoft.com/office/drawing/2014/main" xmlns:a14="http://schemas.microsoft.com/office/drawing/2010/main" xmlns:p14="http://schemas.microsoft.com/office/powerpoint/2010/main" w="9525">
+                <a14:hiddenLine xmlns:p14="http://schemas.microsoft.com/office/powerpoint/2010/main" xmlns:a14="http://schemas.microsoft.com/office/drawing/2010/main" xmlns:a16="http://schemas.microsoft.com/office/drawing/2014/main" xmlns="" w="9525">
                   <a:solidFill>
                     <a:srgbClr val="000000"/>
                   </a:solidFill>
@@ -13171,7 +13213,7 @@
             </a:ln>
             <a:extLst>
               <a:ext uri="{91240B29-F687-4f45-9708-019B960494DF}">
-                <a14:hiddenLine xmlns="" xmlns:a16="http://schemas.microsoft.com/office/drawing/2014/main" xmlns:a14="http://schemas.microsoft.com/office/drawing/2010/main" xmlns:p14="http://schemas.microsoft.com/office/powerpoint/2010/main" w="9525">
+                <a14:hiddenLine xmlns:p14="http://schemas.microsoft.com/office/powerpoint/2010/main" xmlns:a14="http://schemas.microsoft.com/office/drawing/2010/main" xmlns:a16="http://schemas.microsoft.com/office/drawing/2014/main" xmlns="" w="9525">
                   <a:solidFill>
                     <a:srgbClr val="000000"/>
                   </a:solidFill>
@@ -13248,7 +13290,7 @@
             </a:ln>
             <a:extLst>
               <a:ext uri="{91240B29-F687-4f45-9708-019B960494DF}">
-                <a14:hiddenLine xmlns="" xmlns:a16="http://schemas.microsoft.com/office/drawing/2014/main" xmlns:a14="http://schemas.microsoft.com/office/drawing/2010/main" xmlns:p14="http://schemas.microsoft.com/office/powerpoint/2010/main" w="9525">
+                <a14:hiddenLine xmlns:p14="http://schemas.microsoft.com/office/powerpoint/2010/main" xmlns:a14="http://schemas.microsoft.com/office/drawing/2010/main" xmlns:a16="http://schemas.microsoft.com/office/drawing/2014/main" xmlns="" w="9525">
                   <a:solidFill>
                     <a:srgbClr val="000000"/>
                   </a:solidFill>
@@ -13325,7 +13367,7 @@
             </a:ln>
             <a:extLst>
               <a:ext uri="{91240B29-F687-4f45-9708-019B960494DF}">
-                <a14:hiddenLine xmlns="" xmlns:a16="http://schemas.microsoft.com/office/drawing/2014/main" xmlns:a14="http://schemas.microsoft.com/office/drawing/2010/main" xmlns:p14="http://schemas.microsoft.com/office/powerpoint/2010/main" w="9525">
+                <a14:hiddenLine xmlns:p14="http://schemas.microsoft.com/office/powerpoint/2010/main" xmlns:a14="http://schemas.microsoft.com/office/drawing/2010/main" xmlns:a16="http://schemas.microsoft.com/office/drawing/2014/main" xmlns="" w="9525">
                   <a:solidFill>
                     <a:srgbClr val="000000"/>
                   </a:solidFill>
@@ -13430,7 +13472,7 @@
             </a:ln>
             <a:extLst>
               <a:ext uri="{91240B29-F687-4f45-9708-019B960494DF}">
-                <a14:hiddenLine xmlns="" xmlns:a16="http://schemas.microsoft.com/office/drawing/2014/main" xmlns:a14="http://schemas.microsoft.com/office/drawing/2010/main" xmlns:p14="http://schemas.microsoft.com/office/powerpoint/2010/main" w="9525">
+                <a14:hiddenLine xmlns:p14="http://schemas.microsoft.com/office/powerpoint/2010/main" xmlns:a14="http://schemas.microsoft.com/office/drawing/2010/main" xmlns:a16="http://schemas.microsoft.com/office/drawing/2014/main" xmlns="" w="9525">
                   <a:solidFill>
                     <a:srgbClr val="000000"/>
                   </a:solidFill>
@@ -13507,7 +13549,7 @@
             </a:ln>
             <a:extLst>
               <a:ext uri="{91240B29-F687-4f45-9708-019B960494DF}">
-                <a14:hiddenLine xmlns="" xmlns:a16="http://schemas.microsoft.com/office/drawing/2014/main" xmlns:a14="http://schemas.microsoft.com/office/drawing/2010/main" xmlns:p14="http://schemas.microsoft.com/office/powerpoint/2010/main" w="9525">
+                <a14:hiddenLine xmlns:p14="http://schemas.microsoft.com/office/powerpoint/2010/main" xmlns:a14="http://schemas.microsoft.com/office/drawing/2010/main" xmlns:a16="http://schemas.microsoft.com/office/drawing/2014/main" xmlns="" w="9525">
                   <a:solidFill>
                     <a:srgbClr val="000000"/>
                   </a:solidFill>
@@ -13584,7 +13626,7 @@
             </a:ln>
             <a:extLst>
               <a:ext uri="{91240B29-F687-4f45-9708-019B960494DF}">
-                <a14:hiddenLine xmlns="" xmlns:a16="http://schemas.microsoft.com/office/drawing/2014/main" xmlns:a14="http://schemas.microsoft.com/office/drawing/2010/main" xmlns:p14="http://schemas.microsoft.com/office/powerpoint/2010/main" w="9525">
+                <a14:hiddenLine xmlns:p14="http://schemas.microsoft.com/office/powerpoint/2010/main" xmlns:a14="http://schemas.microsoft.com/office/drawing/2010/main" xmlns:a16="http://schemas.microsoft.com/office/drawing/2014/main" xmlns="" w="9525">
                   <a:solidFill>
                     <a:srgbClr val="000000"/>
                   </a:solidFill>
@@ -13689,7 +13731,7 @@
             </a:ln>
             <a:extLst>
               <a:ext uri="{91240B29-F687-4f45-9708-019B960494DF}">
-                <a14:hiddenLine xmlns="" xmlns:a16="http://schemas.microsoft.com/office/drawing/2014/main" xmlns:a14="http://schemas.microsoft.com/office/drawing/2010/main" xmlns:p14="http://schemas.microsoft.com/office/powerpoint/2010/main" w="9525">
+                <a14:hiddenLine xmlns:p14="http://schemas.microsoft.com/office/powerpoint/2010/main" xmlns:a14="http://schemas.microsoft.com/office/drawing/2010/main" xmlns:a16="http://schemas.microsoft.com/office/drawing/2014/main" xmlns="" w="9525">
                   <a:solidFill>
                     <a:srgbClr val="000000"/>
                   </a:solidFill>
@@ -13794,7 +13836,7 @@
             </a:ln>
             <a:extLst>
               <a:ext uri="{91240B29-F687-4f45-9708-019B960494DF}">
-                <a14:hiddenLine xmlns="" xmlns:a16="http://schemas.microsoft.com/office/drawing/2014/main" xmlns:a14="http://schemas.microsoft.com/office/drawing/2010/main" xmlns:p14="http://schemas.microsoft.com/office/powerpoint/2010/main" w="9525">
+                <a14:hiddenLine xmlns:p14="http://schemas.microsoft.com/office/powerpoint/2010/main" xmlns:a14="http://schemas.microsoft.com/office/drawing/2010/main" xmlns:a16="http://schemas.microsoft.com/office/drawing/2014/main" xmlns="" w="9525">
                   <a:solidFill>
                     <a:srgbClr val="000000"/>
                   </a:solidFill>
@@ -13871,7 +13913,7 @@
             </a:ln>
             <a:extLst>
               <a:ext uri="{91240B29-F687-4f45-9708-019B960494DF}">
-                <a14:hiddenLine xmlns="" xmlns:a16="http://schemas.microsoft.com/office/drawing/2014/main" xmlns:a14="http://schemas.microsoft.com/office/drawing/2010/main" xmlns:p14="http://schemas.microsoft.com/office/powerpoint/2010/main" w="9525">
+                <a14:hiddenLine xmlns:p14="http://schemas.microsoft.com/office/powerpoint/2010/main" xmlns:a14="http://schemas.microsoft.com/office/drawing/2010/main" xmlns:a16="http://schemas.microsoft.com/office/drawing/2014/main" xmlns="" w="9525">
                   <a:solidFill>
                     <a:srgbClr val="000000"/>
                   </a:solidFill>
@@ -13996,7 +14038,7 @@
             </a:ln>
             <a:extLst>
               <a:ext uri="{91240B29-F687-4f45-9708-019B960494DF}">
-                <a14:hiddenLine xmlns="" xmlns:a16="http://schemas.microsoft.com/office/drawing/2014/main" xmlns:a14="http://schemas.microsoft.com/office/drawing/2010/main" xmlns:p14="http://schemas.microsoft.com/office/powerpoint/2010/main" w="9525">
+                <a14:hiddenLine xmlns:p14="http://schemas.microsoft.com/office/powerpoint/2010/main" xmlns:a14="http://schemas.microsoft.com/office/drawing/2010/main" xmlns:a16="http://schemas.microsoft.com/office/drawing/2014/main" xmlns="" w="9525">
                   <a:solidFill>
                     <a:srgbClr val="000000"/>
                   </a:solidFill>
@@ -14073,7 +14115,7 @@
             </a:ln>
             <a:extLst>
               <a:ext uri="{91240B29-F687-4f45-9708-019B960494DF}">
-                <a14:hiddenLine xmlns="" xmlns:a16="http://schemas.microsoft.com/office/drawing/2014/main" xmlns:a14="http://schemas.microsoft.com/office/drawing/2010/main" xmlns:p14="http://schemas.microsoft.com/office/powerpoint/2010/main" w="9525">
+                <a14:hiddenLine xmlns:p14="http://schemas.microsoft.com/office/powerpoint/2010/main" xmlns:a14="http://schemas.microsoft.com/office/drawing/2010/main" xmlns:a16="http://schemas.microsoft.com/office/drawing/2014/main" xmlns="" w="9525">
                   <a:solidFill>
                     <a:srgbClr val="000000"/>
                   </a:solidFill>
@@ -14178,7 +14220,7 @@
             </a:ln>
             <a:extLst>
               <a:ext uri="{91240B29-F687-4f45-9708-019B960494DF}">
-                <a14:hiddenLine xmlns="" xmlns:a16="http://schemas.microsoft.com/office/drawing/2014/main" xmlns:a14="http://schemas.microsoft.com/office/drawing/2010/main" xmlns:p14="http://schemas.microsoft.com/office/powerpoint/2010/main" w="9525">
+                <a14:hiddenLine xmlns:p14="http://schemas.microsoft.com/office/powerpoint/2010/main" xmlns:a14="http://schemas.microsoft.com/office/drawing/2010/main" xmlns:a16="http://schemas.microsoft.com/office/drawing/2014/main" xmlns="" w="9525">
                   <a:solidFill>
                     <a:srgbClr val="000000"/>
                   </a:solidFill>
@@ -14283,7 +14325,7 @@
             </a:ln>
             <a:extLst>
               <a:ext uri="{91240B29-F687-4f45-9708-019B960494DF}">
-                <a14:hiddenLine xmlns="" xmlns:a16="http://schemas.microsoft.com/office/drawing/2014/main" xmlns:a14="http://schemas.microsoft.com/office/drawing/2010/main" xmlns:p14="http://schemas.microsoft.com/office/powerpoint/2010/main" w="9525">
+                <a14:hiddenLine xmlns:p14="http://schemas.microsoft.com/office/powerpoint/2010/main" xmlns:a14="http://schemas.microsoft.com/office/drawing/2010/main" xmlns:a16="http://schemas.microsoft.com/office/drawing/2014/main" xmlns="" w="9525">
                   <a:solidFill>
                     <a:srgbClr val="000000"/>
                   </a:solidFill>
@@ -14360,7 +14402,7 @@
             </a:ln>
             <a:extLst>
               <a:ext uri="{91240B29-F687-4f45-9708-019B960494DF}">
-                <a14:hiddenLine xmlns="" xmlns:a16="http://schemas.microsoft.com/office/drawing/2014/main" xmlns:a14="http://schemas.microsoft.com/office/drawing/2010/main" xmlns:p14="http://schemas.microsoft.com/office/powerpoint/2010/main" w="9525">
+                <a14:hiddenLine xmlns:p14="http://schemas.microsoft.com/office/powerpoint/2010/main" xmlns:a14="http://schemas.microsoft.com/office/drawing/2010/main" xmlns:a16="http://schemas.microsoft.com/office/drawing/2014/main" xmlns="" w="9525">
                   <a:solidFill>
                     <a:srgbClr val="000000"/>
                   </a:solidFill>
@@ -14465,7 +14507,7 @@
             </a:ln>
             <a:extLst>
               <a:ext uri="{91240B29-F687-4f45-9708-019B960494DF}">
-                <a14:hiddenLine xmlns="" xmlns:a16="http://schemas.microsoft.com/office/drawing/2014/main" xmlns:a14="http://schemas.microsoft.com/office/drawing/2010/main" xmlns:p14="http://schemas.microsoft.com/office/powerpoint/2010/main" w="9525">
+                <a14:hiddenLine xmlns:p14="http://schemas.microsoft.com/office/powerpoint/2010/main" xmlns:a14="http://schemas.microsoft.com/office/drawing/2010/main" xmlns:a16="http://schemas.microsoft.com/office/drawing/2014/main" xmlns="" w="9525">
                   <a:solidFill>
                     <a:srgbClr val="000000"/>
                   </a:solidFill>
@@ -14570,7 +14612,7 @@
             </a:ln>
             <a:extLst>
               <a:ext uri="{91240B29-F687-4f45-9708-019B960494DF}">
-                <a14:hiddenLine xmlns="" xmlns:a16="http://schemas.microsoft.com/office/drawing/2014/main" xmlns:a14="http://schemas.microsoft.com/office/drawing/2010/main" xmlns:p14="http://schemas.microsoft.com/office/powerpoint/2010/main" w="9525">
+                <a14:hiddenLine xmlns:p14="http://schemas.microsoft.com/office/powerpoint/2010/main" xmlns:a14="http://schemas.microsoft.com/office/drawing/2010/main" xmlns:a16="http://schemas.microsoft.com/office/drawing/2014/main" xmlns="" w="9525">
                   <a:solidFill>
                     <a:srgbClr val="000000"/>
                   </a:solidFill>
@@ -14641,7 +14683,7 @@
             </a:ln>
             <a:extLst>
               <a:ext uri="{91240B29-F687-4f45-9708-019B960494DF}">
-                <a14:hiddenLine xmlns="" xmlns:a16="http://schemas.microsoft.com/office/drawing/2014/main" xmlns:a14="http://schemas.microsoft.com/office/drawing/2010/main" xmlns:p14="http://schemas.microsoft.com/office/powerpoint/2010/main" w="9525">
+                <a14:hiddenLine xmlns:p14="http://schemas.microsoft.com/office/powerpoint/2010/main" xmlns:a14="http://schemas.microsoft.com/office/drawing/2010/main" xmlns:a16="http://schemas.microsoft.com/office/drawing/2014/main" xmlns="" w="9525">
                   <a:solidFill>
                     <a:srgbClr val="000000"/>
                   </a:solidFill>
@@ -14746,7 +14788,7 @@
             </a:ln>
             <a:extLst>
               <a:ext uri="{91240B29-F687-4f45-9708-019B960494DF}">
-                <a14:hiddenLine xmlns="" xmlns:a16="http://schemas.microsoft.com/office/drawing/2014/main" xmlns:a14="http://schemas.microsoft.com/office/drawing/2010/main" xmlns:p14="http://schemas.microsoft.com/office/powerpoint/2010/main" w="9525">
+                <a14:hiddenLine xmlns:p14="http://schemas.microsoft.com/office/powerpoint/2010/main" xmlns:a14="http://schemas.microsoft.com/office/drawing/2010/main" xmlns:a16="http://schemas.microsoft.com/office/drawing/2014/main" xmlns="" w="9525">
                   <a:solidFill>
                     <a:srgbClr val="000000"/>
                   </a:solidFill>
@@ -14817,7 +14859,7 @@
             </a:ln>
             <a:extLst>
               <a:ext uri="{91240B29-F687-4f45-9708-019B960494DF}">
-                <a14:hiddenLine xmlns="" xmlns:a16="http://schemas.microsoft.com/office/drawing/2014/main" xmlns:a14="http://schemas.microsoft.com/office/drawing/2010/main" xmlns:p14="http://schemas.microsoft.com/office/powerpoint/2010/main" w="9525">
+                <a14:hiddenLine xmlns:p14="http://schemas.microsoft.com/office/powerpoint/2010/main" xmlns:a14="http://schemas.microsoft.com/office/drawing/2010/main" xmlns:a16="http://schemas.microsoft.com/office/drawing/2014/main" xmlns="" w="9525">
                   <a:solidFill>
                     <a:srgbClr val="000000"/>
                   </a:solidFill>
@@ -14922,7 +14964,7 @@
             </a:ln>
             <a:extLst>
               <a:ext uri="{91240B29-F687-4f45-9708-019B960494DF}">
-                <a14:hiddenLine xmlns="" xmlns:a16="http://schemas.microsoft.com/office/drawing/2014/main" xmlns:a14="http://schemas.microsoft.com/office/drawing/2010/main" xmlns:p14="http://schemas.microsoft.com/office/powerpoint/2010/main" w="9525">
+                <a14:hiddenLine xmlns:p14="http://schemas.microsoft.com/office/powerpoint/2010/main" xmlns:a14="http://schemas.microsoft.com/office/drawing/2010/main" xmlns:a16="http://schemas.microsoft.com/office/drawing/2014/main" xmlns="" w="9525">
                   <a:solidFill>
                     <a:srgbClr val="000000"/>
                   </a:solidFill>
@@ -15005,7 +15047,7 @@
             </a:ln>
             <a:extLst>
               <a:ext uri="{91240B29-F687-4f45-9708-019B960494DF}">
-                <a14:hiddenLine xmlns="" xmlns:a16="http://schemas.microsoft.com/office/drawing/2014/main" xmlns:a14="http://schemas.microsoft.com/office/drawing/2010/main" xmlns:p14="http://schemas.microsoft.com/office/powerpoint/2010/main" w="9525">
+                <a14:hiddenLine xmlns:p14="http://schemas.microsoft.com/office/powerpoint/2010/main" xmlns:a14="http://schemas.microsoft.com/office/drawing/2010/main" xmlns:a16="http://schemas.microsoft.com/office/drawing/2014/main" xmlns="" w="9525">
                   <a:solidFill>
                     <a:srgbClr val="000000"/>
                   </a:solidFill>
@@ -15110,7 +15152,7 @@
             </a:ln>
             <a:extLst>
               <a:ext uri="{91240B29-F687-4f45-9708-019B960494DF}">
-                <a14:hiddenLine xmlns="" xmlns:a16="http://schemas.microsoft.com/office/drawing/2014/main" xmlns:a14="http://schemas.microsoft.com/office/drawing/2010/main" xmlns:p14="http://schemas.microsoft.com/office/powerpoint/2010/main" w="9525">
+                <a14:hiddenLine xmlns:p14="http://schemas.microsoft.com/office/powerpoint/2010/main" xmlns:a14="http://schemas.microsoft.com/office/drawing/2010/main" xmlns:a16="http://schemas.microsoft.com/office/drawing/2014/main" xmlns="" w="9525">
                   <a:solidFill>
                     <a:srgbClr val="000000"/>
                   </a:solidFill>
@@ -15193,7 +15235,7 @@
             </a:ln>
             <a:extLst>
               <a:ext uri="{91240B29-F687-4f45-9708-019B960494DF}">
-                <a14:hiddenLine xmlns="" xmlns:a16="http://schemas.microsoft.com/office/drawing/2014/main" xmlns:a14="http://schemas.microsoft.com/office/drawing/2010/main" xmlns:p14="http://schemas.microsoft.com/office/powerpoint/2010/main" w="9525">
+                <a14:hiddenLine xmlns:p14="http://schemas.microsoft.com/office/powerpoint/2010/main" xmlns:a14="http://schemas.microsoft.com/office/drawing/2010/main" xmlns:a16="http://schemas.microsoft.com/office/drawing/2014/main" xmlns="" w="9525">
                   <a:solidFill>
                     <a:srgbClr val="000000"/>
                   </a:solidFill>
@@ -15298,7 +15340,7 @@
             </a:ln>
             <a:extLst>
               <a:ext uri="{91240B29-F687-4f45-9708-019B960494DF}">
-                <a14:hiddenLine xmlns="" xmlns:a16="http://schemas.microsoft.com/office/drawing/2014/main" xmlns:a14="http://schemas.microsoft.com/office/drawing/2010/main" xmlns:p14="http://schemas.microsoft.com/office/powerpoint/2010/main" w="9525">
+                <a14:hiddenLine xmlns:p14="http://schemas.microsoft.com/office/powerpoint/2010/main" xmlns:a14="http://schemas.microsoft.com/office/drawing/2010/main" xmlns:a16="http://schemas.microsoft.com/office/drawing/2014/main" xmlns="" w="9525">
                   <a:solidFill>
                     <a:srgbClr val="000000"/>
                   </a:solidFill>
@@ -15347,7 +15389,7 @@
             </a:ln>
             <a:extLst>
               <a:ext uri="{91240B29-F687-4f45-9708-019B960494DF}">
-                <a14:hiddenLine xmlns="" xmlns:a16="http://schemas.microsoft.com/office/drawing/2014/main" xmlns:a14="http://schemas.microsoft.com/office/drawing/2010/main" xmlns:p14="http://schemas.microsoft.com/office/powerpoint/2010/main" w="9525">
+                <a14:hiddenLine xmlns:p14="http://schemas.microsoft.com/office/powerpoint/2010/main" xmlns:a14="http://schemas.microsoft.com/office/drawing/2010/main" xmlns:a16="http://schemas.microsoft.com/office/drawing/2014/main" xmlns="" w="9525">
                   <a:solidFill>
                     <a:srgbClr val="000000"/>
                   </a:solidFill>
@@ -15452,7 +15494,7 @@
             </a:ln>
             <a:extLst>
               <a:ext uri="{91240B29-F687-4f45-9708-019B960494DF}">
-                <a14:hiddenLine xmlns="" xmlns:a16="http://schemas.microsoft.com/office/drawing/2014/main" xmlns:a14="http://schemas.microsoft.com/office/drawing/2010/main" xmlns:p14="http://schemas.microsoft.com/office/powerpoint/2010/main" w="9525">
+                <a14:hiddenLine xmlns:p14="http://schemas.microsoft.com/office/powerpoint/2010/main" xmlns:a14="http://schemas.microsoft.com/office/drawing/2010/main" xmlns:a16="http://schemas.microsoft.com/office/drawing/2014/main" xmlns="" w="9525">
                   <a:solidFill>
                     <a:srgbClr val="000000"/>
                   </a:solidFill>
@@ -15529,7 +15571,7 @@
             </a:ln>
             <a:extLst>
               <a:ext uri="{91240B29-F687-4f45-9708-019B960494DF}">
-                <a14:hiddenLine xmlns="" xmlns:a16="http://schemas.microsoft.com/office/drawing/2014/main" xmlns:a14="http://schemas.microsoft.com/office/drawing/2010/main" xmlns:p14="http://schemas.microsoft.com/office/powerpoint/2010/main" w="9525">
+                <a14:hiddenLine xmlns:p14="http://schemas.microsoft.com/office/powerpoint/2010/main" xmlns:a14="http://schemas.microsoft.com/office/drawing/2010/main" xmlns:a16="http://schemas.microsoft.com/office/drawing/2014/main" xmlns="" w="9525">
                   <a:solidFill>
                     <a:srgbClr val="000000"/>
                   </a:solidFill>
@@ -15606,7 +15648,7 @@
             </a:ln>
             <a:extLst>
               <a:ext uri="{91240B29-F687-4f45-9708-019B960494DF}">
-                <a14:hiddenLine xmlns="" xmlns:a16="http://schemas.microsoft.com/office/drawing/2014/main" xmlns:a14="http://schemas.microsoft.com/office/drawing/2010/main" xmlns:p14="http://schemas.microsoft.com/office/powerpoint/2010/main" w="9525">
+                <a14:hiddenLine xmlns:p14="http://schemas.microsoft.com/office/powerpoint/2010/main" xmlns:a14="http://schemas.microsoft.com/office/drawing/2010/main" xmlns:a16="http://schemas.microsoft.com/office/drawing/2014/main" xmlns="" w="9525">
                   <a:solidFill>
                     <a:srgbClr val="000000"/>
                   </a:solidFill>
@@ -15711,7 +15753,7 @@
             </a:ln>
             <a:extLst>
               <a:ext uri="{91240B29-F687-4f45-9708-019B960494DF}">
-                <a14:hiddenLine xmlns="" xmlns:a16="http://schemas.microsoft.com/office/drawing/2014/main" xmlns:a14="http://schemas.microsoft.com/office/drawing/2010/main" xmlns:p14="http://schemas.microsoft.com/office/powerpoint/2010/main" w="9525">
+                <a14:hiddenLine xmlns:p14="http://schemas.microsoft.com/office/powerpoint/2010/main" xmlns:a14="http://schemas.microsoft.com/office/drawing/2010/main" xmlns:a16="http://schemas.microsoft.com/office/drawing/2014/main" xmlns="" w="9525">
                   <a:solidFill>
                     <a:srgbClr val="000000"/>
                   </a:solidFill>
@@ -15794,7 +15836,7 @@
             </a:ln>
             <a:extLst>
               <a:ext uri="{91240B29-F687-4f45-9708-019B960494DF}">
-                <a14:hiddenLine xmlns="" xmlns:a16="http://schemas.microsoft.com/office/drawing/2014/main" xmlns:a14="http://schemas.microsoft.com/office/drawing/2010/main" xmlns:p14="http://schemas.microsoft.com/office/powerpoint/2010/main" w="9525">
+                <a14:hiddenLine xmlns:p14="http://schemas.microsoft.com/office/powerpoint/2010/main" xmlns:a14="http://schemas.microsoft.com/office/drawing/2010/main" xmlns:a16="http://schemas.microsoft.com/office/drawing/2014/main" xmlns="" w="9525">
                   <a:solidFill>
                     <a:srgbClr val="000000"/>
                   </a:solidFill>
@@ -15871,7 +15913,7 @@
             </a:ln>
             <a:extLst>
               <a:ext uri="{91240B29-F687-4f45-9708-019B960494DF}">
-                <a14:hiddenLine xmlns="" xmlns:a16="http://schemas.microsoft.com/office/drawing/2014/main" xmlns:a14="http://schemas.microsoft.com/office/drawing/2010/main" xmlns:p14="http://schemas.microsoft.com/office/powerpoint/2010/main" w="9525">
+                <a14:hiddenLine xmlns:p14="http://schemas.microsoft.com/office/powerpoint/2010/main" xmlns:a14="http://schemas.microsoft.com/office/drawing/2010/main" xmlns:a16="http://schemas.microsoft.com/office/drawing/2014/main" xmlns="" w="9525">
                   <a:solidFill>
                     <a:srgbClr val="000000"/>
                   </a:solidFill>
@@ -15976,7 +16018,7 @@
             </a:ln>
             <a:extLst>
               <a:ext uri="{91240B29-F687-4f45-9708-019B960494DF}">
-                <a14:hiddenLine xmlns="" xmlns:a16="http://schemas.microsoft.com/office/drawing/2014/main" xmlns:a14="http://schemas.microsoft.com/office/drawing/2010/main" xmlns:p14="http://schemas.microsoft.com/office/powerpoint/2010/main" w="9525">
+                <a14:hiddenLine xmlns:p14="http://schemas.microsoft.com/office/powerpoint/2010/main" xmlns:a14="http://schemas.microsoft.com/office/drawing/2010/main" xmlns:a16="http://schemas.microsoft.com/office/drawing/2014/main" xmlns="" w="9525">
                   <a:solidFill>
                     <a:srgbClr val="000000"/>
                   </a:solidFill>
@@ -16053,7 +16095,7 @@
             </a:ln>
             <a:extLst>
               <a:ext uri="{91240B29-F687-4f45-9708-019B960494DF}">
-                <a14:hiddenLine xmlns="" xmlns:a16="http://schemas.microsoft.com/office/drawing/2014/main" xmlns:a14="http://schemas.microsoft.com/office/drawing/2010/main" xmlns:p14="http://schemas.microsoft.com/office/powerpoint/2010/main" w="9525">
+                <a14:hiddenLine xmlns:p14="http://schemas.microsoft.com/office/powerpoint/2010/main" xmlns:a14="http://schemas.microsoft.com/office/drawing/2010/main" xmlns:a16="http://schemas.microsoft.com/office/drawing/2014/main" xmlns="" w="9525">
                   <a:solidFill>
                     <a:srgbClr val="000000"/>
                   </a:solidFill>
@@ -16158,7 +16200,7 @@
             </a:ln>
             <a:extLst>
               <a:ext uri="{91240B29-F687-4f45-9708-019B960494DF}">
-                <a14:hiddenLine xmlns="" xmlns:a16="http://schemas.microsoft.com/office/drawing/2014/main" xmlns:a14="http://schemas.microsoft.com/office/drawing/2010/main" xmlns:p14="http://schemas.microsoft.com/office/powerpoint/2010/main" w="9525">
+                <a14:hiddenLine xmlns:p14="http://schemas.microsoft.com/office/powerpoint/2010/main" xmlns:a14="http://schemas.microsoft.com/office/drawing/2010/main" xmlns:a16="http://schemas.microsoft.com/office/drawing/2014/main" xmlns="" w="9525">
                   <a:solidFill>
                     <a:srgbClr val="000000"/>
                   </a:solidFill>
@@ -16235,7 +16277,7 @@
             </a:ln>
             <a:extLst>
               <a:ext uri="{91240B29-F687-4f45-9708-019B960494DF}">
-                <a14:hiddenLine xmlns="" xmlns:a16="http://schemas.microsoft.com/office/drawing/2014/main" xmlns:a14="http://schemas.microsoft.com/office/drawing/2010/main" xmlns:p14="http://schemas.microsoft.com/office/powerpoint/2010/main" w="9525">
+                <a14:hiddenLine xmlns:p14="http://schemas.microsoft.com/office/powerpoint/2010/main" xmlns:a14="http://schemas.microsoft.com/office/drawing/2010/main" xmlns:a16="http://schemas.microsoft.com/office/drawing/2014/main" xmlns="" w="9525">
                   <a:solidFill>
                     <a:srgbClr val="000000"/>
                   </a:solidFill>
@@ -16340,7 +16382,7 @@
             </a:ln>
             <a:extLst>
               <a:ext uri="{91240B29-F687-4f45-9708-019B960494DF}">
-                <a14:hiddenLine xmlns="" xmlns:a16="http://schemas.microsoft.com/office/drawing/2014/main" xmlns:a14="http://schemas.microsoft.com/office/drawing/2010/main" xmlns:p14="http://schemas.microsoft.com/office/powerpoint/2010/main" w="9525">
+                <a14:hiddenLine xmlns:p14="http://schemas.microsoft.com/office/powerpoint/2010/main" xmlns:a14="http://schemas.microsoft.com/office/drawing/2010/main" xmlns:a16="http://schemas.microsoft.com/office/drawing/2014/main" xmlns="" w="9525">
                   <a:solidFill>
                     <a:srgbClr val="000000"/>
                   </a:solidFill>
@@ -16389,7 +16431,7 @@
             </a:ln>
             <a:extLst>
               <a:ext uri="{91240B29-F687-4f45-9708-019B960494DF}">
-                <a14:hiddenLine xmlns="" xmlns:a16="http://schemas.microsoft.com/office/drawing/2014/main" xmlns:a14="http://schemas.microsoft.com/office/drawing/2010/main" xmlns:p14="http://schemas.microsoft.com/office/powerpoint/2010/main" w="9525">
+                <a14:hiddenLine xmlns:p14="http://schemas.microsoft.com/office/powerpoint/2010/main" xmlns:a14="http://schemas.microsoft.com/office/drawing/2010/main" xmlns:a16="http://schemas.microsoft.com/office/drawing/2014/main" xmlns="" w="9525">
                   <a:solidFill>
                     <a:srgbClr val="000000"/>
                   </a:solidFill>
@@ -16469,7 +16511,7 @@
             </a:ln>
             <a:extLst>
               <a:ext uri="{91240B29-F687-4f45-9708-019B960494DF}">
-                <a14:hiddenLine xmlns="" xmlns:a16="http://schemas.microsoft.com/office/drawing/2014/main" xmlns:a14="http://schemas.microsoft.com/office/drawing/2010/main" xmlns:p14="http://schemas.microsoft.com/office/powerpoint/2010/main" w="9525">
+                <a14:hiddenLine xmlns:p14="http://schemas.microsoft.com/office/powerpoint/2010/main" xmlns:a14="http://schemas.microsoft.com/office/drawing/2010/main" xmlns:a16="http://schemas.microsoft.com/office/drawing/2014/main" xmlns="" w="9525">
                   <a:solidFill>
                     <a:srgbClr val="000000"/>
                   </a:solidFill>
@@ -16574,7 +16616,7 @@
             </a:ln>
             <a:extLst>
               <a:ext uri="{91240B29-F687-4f45-9708-019B960494DF}">
-                <a14:hiddenLine xmlns="" xmlns:a16="http://schemas.microsoft.com/office/drawing/2014/main" xmlns:a14="http://schemas.microsoft.com/office/drawing/2010/main" xmlns:p14="http://schemas.microsoft.com/office/powerpoint/2010/main" w="9525">
+                <a14:hiddenLine xmlns:p14="http://schemas.microsoft.com/office/powerpoint/2010/main" xmlns:a14="http://schemas.microsoft.com/office/drawing/2010/main" xmlns:a16="http://schemas.microsoft.com/office/drawing/2014/main" xmlns="" w="9525">
                   <a:solidFill>
                     <a:srgbClr val="000000"/>
                   </a:solidFill>
@@ -16651,7 +16693,7 @@
             </a:ln>
             <a:extLst>
               <a:ext uri="{91240B29-F687-4f45-9708-019B960494DF}">
-                <a14:hiddenLine xmlns="" xmlns:a16="http://schemas.microsoft.com/office/drawing/2014/main" xmlns:a14="http://schemas.microsoft.com/office/drawing/2010/main" xmlns:p14="http://schemas.microsoft.com/office/powerpoint/2010/main" w="9525">
+                <a14:hiddenLine xmlns:p14="http://schemas.microsoft.com/office/powerpoint/2010/main" xmlns:a14="http://schemas.microsoft.com/office/drawing/2010/main" xmlns:a16="http://schemas.microsoft.com/office/drawing/2014/main" xmlns="" w="9525">
                   <a:solidFill>
                     <a:srgbClr val="000000"/>
                   </a:solidFill>
@@ -16756,7 +16798,7 @@
             </a:ln>
             <a:extLst>
               <a:ext uri="{91240B29-F687-4f45-9708-019B960494DF}">
-                <a14:hiddenLine xmlns="" xmlns:a16="http://schemas.microsoft.com/office/drawing/2014/main" xmlns:a14="http://schemas.microsoft.com/office/drawing/2010/main" xmlns:p14="http://schemas.microsoft.com/office/powerpoint/2010/main" w="9525">
+                <a14:hiddenLine xmlns:p14="http://schemas.microsoft.com/office/powerpoint/2010/main" xmlns:a14="http://schemas.microsoft.com/office/drawing/2010/main" xmlns:a16="http://schemas.microsoft.com/office/drawing/2014/main" xmlns="" w="9525">
                   <a:solidFill>
                     <a:srgbClr val="000000"/>
                   </a:solidFill>
@@ -16861,7 +16903,7 @@
             </a:ln>
             <a:extLst>
               <a:ext uri="{91240B29-F687-4f45-9708-019B960494DF}">
-                <a14:hiddenLine xmlns="" xmlns:a16="http://schemas.microsoft.com/office/drawing/2014/main" xmlns:a14="http://schemas.microsoft.com/office/drawing/2010/main" xmlns:p14="http://schemas.microsoft.com/office/powerpoint/2010/main" w="9525">
+                <a14:hiddenLine xmlns:p14="http://schemas.microsoft.com/office/powerpoint/2010/main" xmlns:a14="http://schemas.microsoft.com/office/drawing/2010/main" xmlns:a16="http://schemas.microsoft.com/office/drawing/2014/main" xmlns="" w="9525">
                   <a:solidFill>
                     <a:srgbClr val="000000"/>
                   </a:solidFill>
@@ -16941,7 +16983,7 @@
             </a:ln>
             <a:extLst>
               <a:ext uri="{91240B29-F687-4f45-9708-019B960494DF}">
-                <a14:hiddenLine xmlns="" xmlns:a16="http://schemas.microsoft.com/office/drawing/2014/main" xmlns:a14="http://schemas.microsoft.com/office/drawing/2010/main" xmlns:p14="http://schemas.microsoft.com/office/powerpoint/2010/main" w="9525">
+                <a14:hiddenLine xmlns:p14="http://schemas.microsoft.com/office/powerpoint/2010/main" xmlns:a14="http://schemas.microsoft.com/office/drawing/2010/main" xmlns:a16="http://schemas.microsoft.com/office/drawing/2014/main" xmlns="" w="9525">
                   <a:solidFill>
                     <a:srgbClr val="000000"/>
                   </a:solidFill>
@@ -17018,7 +17060,7 @@
             </a:ln>
             <a:extLst>
               <a:ext uri="{91240B29-F687-4f45-9708-019B960494DF}">
-                <a14:hiddenLine xmlns="" xmlns:a16="http://schemas.microsoft.com/office/drawing/2014/main" xmlns:a14="http://schemas.microsoft.com/office/drawing/2010/main" xmlns:p14="http://schemas.microsoft.com/office/powerpoint/2010/main" w="9525">
+                <a14:hiddenLine xmlns:p14="http://schemas.microsoft.com/office/powerpoint/2010/main" xmlns:a14="http://schemas.microsoft.com/office/drawing/2010/main" xmlns:a16="http://schemas.microsoft.com/office/drawing/2014/main" xmlns="" w="9525">
                   <a:solidFill>
                     <a:srgbClr val="000000"/>
                   </a:solidFill>
@@ -17123,7 +17165,7 @@
             </a:ln>
             <a:extLst>
               <a:ext uri="{91240B29-F687-4f45-9708-019B960494DF}">
-                <a14:hiddenLine xmlns="" xmlns:a16="http://schemas.microsoft.com/office/drawing/2014/main" xmlns:a14="http://schemas.microsoft.com/office/drawing/2010/main" xmlns:p14="http://schemas.microsoft.com/office/powerpoint/2010/main" w="9525">
+                <a14:hiddenLine xmlns:p14="http://schemas.microsoft.com/office/powerpoint/2010/main" xmlns:a14="http://schemas.microsoft.com/office/drawing/2010/main" xmlns:a16="http://schemas.microsoft.com/office/drawing/2014/main" xmlns="" w="9525">
                   <a:solidFill>
                     <a:srgbClr val="000000"/>
                   </a:solidFill>
@@ -17228,7 +17270,7 @@
             </a:ln>
             <a:extLst>
               <a:ext uri="{91240B29-F687-4f45-9708-019B960494DF}">
-                <a14:hiddenLine xmlns="" xmlns:a16="http://schemas.microsoft.com/office/drawing/2014/main" xmlns:a14="http://schemas.microsoft.com/office/drawing/2010/main" xmlns:p14="http://schemas.microsoft.com/office/powerpoint/2010/main" w="9525">
+                <a14:hiddenLine xmlns:p14="http://schemas.microsoft.com/office/powerpoint/2010/main" xmlns:a14="http://schemas.microsoft.com/office/drawing/2010/main" xmlns:a16="http://schemas.microsoft.com/office/drawing/2014/main" xmlns="" w="9525">
                   <a:solidFill>
                     <a:srgbClr val="000000"/>
                   </a:solidFill>
@@ -17305,7 +17347,7 @@
             </a:ln>
             <a:extLst>
               <a:ext uri="{91240B29-F687-4f45-9708-019B960494DF}">
-                <a14:hiddenLine xmlns="" xmlns:a16="http://schemas.microsoft.com/office/drawing/2014/main" xmlns:a14="http://schemas.microsoft.com/office/drawing/2010/main" xmlns:p14="http://schemas.microsoft.com/office/powerpoint/2010/main" w="9525">
+                <a14:hiddenLine xmlns:p14="http://schemas.microsoft.com/office/powerpoint/2010/main" xmlns:a14="http://schemas.microsoft.com/office/drawing/2010/main" xmlns:a16="http://schemas.microsoft.com/office/drawing/2014/main" xmlns="" w="9525">
                   <a:solidFill>
                     <a:srgbClr val="000000"/>
                   </a:solidFill>
@@ -17440,7 +17482,7 @@
             </a:ln>
             <a:extLst>
               <a:ext uri="{91240B29-F687-4f45-9708-019B960494DF}">
-                <a14:hiddenLine xmlns="" xmlns:a16="http://schemas.microsoft.com/office/drawing/2014/main" xmlns:a14="http://schemas.microsoft.com/office/drawing/2010/main" xmlns:p14="http://schemas.microsoft.com/office/powerpoint/2010/main" w="9525">
+                <a14:hiddenLine xmlns:p14="http://schemas.microsoft.com/office/powerpoint/2010/main" xmlns:a14="http://schemas.microsoft.com/office/drawing/2010/main" xmlns:a16="http://schemas.microsoft.com/office/drawing/2014/main" xmlns="" w="9525">
                   <a:solidFill>
                     <a:srgbClr val="000000"/>
                   </a:solidFill>
@@ -17523,7 +17565,7 @@
             </a:ln>
             <a:extLst>
               <a:ext uri="{91240B29-F687-4f45-9708-019B960494DF}">
-                <a14:hiddenLine xmlns="" xmlns:a16="http://schemas.microsoft.com/office/drawing/2014/main" xmlns:a14="http://schemas.microsoft.com/office/drawing/2010/main" xmlns:p14="http://schemas.microsoft.com/office/powerpoint/2010/main" w="9525">
+                <a14:hiddenLine xmlns:p14="http://schemas.microsoft.com/office/powerpoint/2010/main" xmlns:a14="http://schemas.microsoft.com/office/drawing/2010/main" xmlns:a16="http://schemas.microsoft.com/office/drawing/2014/main" xmlns="" w="9525">
                   <a:solidFill>
                     <a:srgbClr val="000000"/>
                   </a:solidFill>
@@ -17628,7 +17670,7 @@
             </a:ln>
             <a:extLst>
               <a:ext uri="{91240B29-F687-4f45-9708-019B960494DF}">
-                <a14:hiddenLine xmlns="" xmlns:a16="http://schemas.microsoft.com/office/drawing/2014/main" xmlns:a14="http://schemas.microsoft.com/office/drawing/2010/main" xmlns:p14="http://schemas.microsoft.com/office/powerpoint/2010/main" w="9525">
+                <a14:hiddenLine xmlns:p14="http://schemas.microsoft.com/office/powerpoint/2010/main" xmlns:a14="http://schemas.microsoft.com/office/drawing/2010/main" xmlns:a16="http://schemas.microsoft.com/office/drawing/2014/main" xmlns="" w="9525">
                   <a:solidFill>
                     <a:srgbClr val="000000"/>
                   </a:solidFill>
@@ -17978,7 +18020,7 @@
             <a:noFill/>
             <a:extLst>
               <a:ext uri="{909E8E84-426E-40dd-AFC4-6F175D3DCCD1}">
-                <a14:hiddenFill xmlns="" xmlns:a16="http://schemas.microsoft.com/office/drawing/2014/main" xmlns:a14="http://schemas.microsoft.com/office/drawing/2010/main" xmlns:p14="http://schemas.microsoft.com/office/powerpoint/2010/main">
+                <a14:hiddenFill xmlns:p14="http://schemas.microsoft.com/office/powerpoint/2010/main" xmlns:a14="http://schemas.microsoft.com/office/drawing/2010/main" xmlns:a16="http://schemas.microsoft.com/office/drawing/2014/main" xmlns="">
                   <a:solidFill>
                     <a:srgbClr val="FFFFFF"/>
                   </a:solidFill>
@@ -18142,7 +18184,7 @@
             </a:ln>
             <a:extLst>
               <a:ext uri="{91240B29-F687-4f45-9708-019B960494DF}">
-                <a14:hiddenLine xmlns="" xmlns:a16="http://schemas.microsoft.com/office/drawing/2014/main" xmlns:a14="http://schemas.microsoft.com/office/drawing/2010/main" xmlns:p14="http://schemas.microsoft.com/office/powerpoint/2010/main" w="9525">
+                <a14:hiddenLine xmlns:p14="http://schemas.microsoft.com/office/powerpoint/2010/main" xmlns:a14="http://schemas.microsoft.com/office/drawing/2010/main" xmlns:a16="http://schemas.microsoft.com/office/drawing/2014/main" xmlns="" w="9525">
                   <a:solidFill>
                     <a:srgbClr val="000000"/>
                   </a:solidFill>
@@ -18247,7 +18289,7 @@
             </a:ln>
             <a:extLst>
               <a:ext uri="{91240B29-F687-4f45-9708-019B960494DF}">
-                <a14:hiddenLine xmlns="" xmlns:a16="http://schemas.microsoft.com/office/drawing/2014/main" xmlns:a14="http://schemas.microsoft.com/office/drawing/2010/main" xmlns:p14="http://schemas.microsoft.com/office/powerpoint/2010/main" w="9525">
+                <a14:hiddenLine xmlns:p14="http://schemas.microsoft.com/office/powerpoint/2010/main" xmlns:a14="http://schemas.microsoft.com/office/drawing/2010/main" xmlns:a16="http://schemas.microsoft.com/office/drawing/2014/main" xmlns="" w="9525">
                   <a:solidFill>
                     <a:srgbClr val="000000"/>
                   </a:solidFill>
@@ -18352,7 +18394,7 @@
             </a:ln>
             <a:extLst>
               <a:ext uri="{91240B29-F687-4f45-9708-019B960494DF}">
-                <a14:hiddenLine xmlns="" xmlns:a16="http://schemas.microsoft.com/office/drawing/2014/main" xmlns:a14="http://schemas.microsoft.com/office/drawing/2010/main" xmlns:p14="http://schemas.microsoft.com/office/powerpoint/2010/main" w="9525">
+                <a14:hiddenLine xmlns:p14="http://schemas.microsoft.com/office/powerpoint/2010/main" xmlns:a14="http://schemas.microsoft.com/office/drawing/2010/main" xmlns:a16="http://schemas.microsoft.com/office/drawing/2014/main" xmlns="" w="9525">
                   <a:solidFill>
                     <a:srgbClr val="000000"/>
                   </a:solidFill>
@@ -18401,7 +18443,7 @@
             </a:ln>
             <a:extLst>
               <a:ext uri="{91240B29-F687-4f45-9708-019B960494DF}">
-                <a14:hiddenLine xmlns="" xmlns:a16="http://schemas.microsoft.com/office/drawing/2014/main" xmlns:a14="http://schemas.microsoft.com/office/drawing/2010/main" xmlns:p14="http://schemas.microsoft.com/office/powerpoint/2010/main" w="9525">
+                <a14:hiddenLine xmlns:p14="http://schemas.microsoft.com/office/powerpoint/2010/main" xmlns:a14="http://schemas.microsoft.com/office/drawing/2010/main" xmlns:a16="http://schemas.microsoft.com/office/drawing/2014/main" xmlns="" w="9525">
                   <a:solidFill>
                     <a:srgbClr val="000000"/>
                   </a:solidFill>
@@ -18506,7 +18548,7 @@
             </a:ln>
             <a:extLst>
               <a:ext uri="{91240B29-F687-4f45-9708-019B960494DF}">
-                <a14:hiddenLine xmlns="" xmlns:a16="http://schemas.microsoft.com/office/drawing/2014/main" xmlns:a14="http://schemas.microsoft.com/office/drawing/2010/main" xmlns:p14="http://schemas.microsoft.com/office/powerpoint/2010/main" w="9525">
+                <a14:hiddenLine xmlns:p14="http://schemas.microsoft.com/office/powerpoint/2010/main" xmlns:a14="http://schemas.microsoft.com/office/drawing/2010/main" xmlns:a16="http://schemas.microsoft.com/office/drawing/2014/main" xmlns="" w="9525">
                   <a:solidFill>
                     <a:srgbClr val="000000"/>
                   </a:solidFill>
@@ -18583,7 +18625,7 @@
             </a:ln>
             <a:extLst>
               <a:ext uri="{91240B29-F687-4f45-9708-019B960494DF}">
-                <a14:hiddenLine xmlns="" xmlns:a16="http://schemas.microsoft.com/office/drawing/2014/main" xmlns:a14="http://schemas.microsoft.com/office/drawing/2010/main" xmlns:p14="http://schemas.microsoft.com/office/powerpoint/2010/main" w="9525">
+                <a14:hiddenLine xmlns:p14="http://schemas.microsoft.com/office/powerpoint/2010/main" xmlns:a14="http://schemas.microsoft.com/office/drawing/2010/main" xmlns:a16="http://schemas.microsoft.com/office/drawing/2014/main" xmlns="" w="9525">
                   <a:solidFill>
                     <a:srgbClr val="000000"/>
                   </a:solidFill>
@@ -18660,7 +18702,7 @@
             </a:ln>
             <a:extLst>
               <a:ext uri="{91240B29-F687-4f45-9708-019B960494DF}">
-                <a14:hiddenLine xmlns="" xmlns:a16="http://schemas.microsoft.com/office/drawing/2014/main" xmlns:a14="http://schemas.microsoft.com/office/drawing/2010/main" xmlns:p14="http://schemas.microsoft.com/office/powerpoint/2010/main" w="9525">
+                <a14:hiddenLine xmlns:p14="http://schemas.microsoft.com/office/powerpoint/2010/main" xmlns:a14="http://schemas.microsoft.com/office/drawing/2010/main" xmlns:a16="http://schemas.microsoft.com/office/drawing/2014/main" xmlns="" w="9525">
                   <a:solidFill>
                     <a:srgbClr val="000000"/>
                   </a:solidFill>
@@ -18765,7 +18807,7 @@
             </a:ln>
             <a:extLst>
               <a:ext uri="{91240B29-F687-4f45-9708-019B960494DF}">
-                <a14:hiddenLine xmlns="" xmlns:a16="http://schemas.microsoft.com/office/drawing/2014/main" xmlns:a14="http://schemas.microsoft.com/office/drawing/2010/main" xmlns:p14="http://schemas.microsoft.com/office/powerpoint/2010/main" w="9525">
+                <a14:hiddenLine xmlns:p14="http://schemas.microsoft.com/office/powerpoint/2010/main" xmlns:a14="http://schemas.microsoft.com/office/drawing/2010/main" xmlns:a16="http://schemas.microsoft.com/office/drawing/2014/main" xmlns="" w="9525">
                   <a:solidFill>
                     <a:srgbClr val="000000"/>
                   </a:solidFill>
@@ -18842,7 +18884,7 @@
             </a:ln>
             <a:extLst>
               <a:ext uri="{91240B29-F687-4f45-9708-019B960494DF}">
-                <a14:hiddenLine xmlns="" xmlns:a16="http://schemas.microsoft.com/office/drawing/2014/main" xmlns:a14="http://schemas.microsoft.com/office/drawing/2010/main" xmlns:p14="http://schemas.microsoft.com/office/powerpoint/2010/main" w="9525">
+                <a14:hiddenLine xmlns:p14="http://schemas.microsoft.com/office/powerpoint/2010/main" xmlns:a14="http://schemas.microsoft.com/office/drawing/2010/main" xmlns:a16="http://schemas.microsoft.com/office/drawing/2014/main" xmlns="" w="9525">
                   <a:solidFill>
                     <a:srgbClr val="000000"/>
                   </a:solidFill>
@@ -18919,7 +18961,7 @@
             </a:ln>
             <a:extLst>
               <a:ext uri="{91240B29-F687-4f45-9708-019B960494DF}">
-                <a14:hiddenLine xmlns="" xmlns:a16="http://schemas.microsoft.com/office/drawing/2014/main" xmlns:a14="http://schemas.microsoft.com/office/drawing/2010/main" xmlns:p14="http://schemas.microsoft.com/office/powerpoint/2010/main" w="9525">
+                <a14:hiddenLine xmlns:p14="http://schemas.microsoft.com/office/powerpoint/2010/main" xmlns:a14="http://schemas.microsoft.com/office/drawing/2010/main" xmlns:a16="http://schemas.microsoft.com/office/drawing/2014/main" xmlns="" w="9525">
                   <a:solidFill>
                     <a:srgbClr val="000000"/>
                   </a:solidFill>
@@ -19024,7 +19066,7 @@
             </a:ln>
             <a:extLst>
               <a:ext uri="{91240B29-F687-4f45-9708-019B960494DF}">
-                <a14:hiddenLine xmlns="" xmlns:a16="http://schemas.microsoft.com/office/drawing/2014/main" xmlns:a14="http://schemas.microsoft.com/office/drawing/2010/main" xmlns:p14="http://schemas.microsoft.com/office/powerpoint/2010/main" w="9525">
+                <a14:hiddenLine xmlns:p14="http://schemas.microsoft.com/office/powerpoint/2010/main" xmlns:a14="http://schemas.microsoft.com/office/drawing/2010/main" xmlns:a16="http://schemas.microsoft.com/office/drawing/2014/main" xmlns="" w="9525">
                   <a:solidFill>
                     <a:srgbClr val="000000"/>
                   </a:solidFill>
@@ -19129,7 +19171,7 @@
             </a:ln>
             <a:extLst>
               <a:ext uri="{91240B29-F687-4f45-9708-019B960494DF}">
-                <a14:hiddenLine xmlns="" xmlns:a16="http://schemas.microsoft.com/office/drawing/2014/main" xmlns:a14="http://schemas.microsoft.com/office/drawing/2010/main" xmlns:p14="http://schemas.microsoft.com/office/powerpoint/2010/main" w="9525">
+                <a14:hiddenLine xmlns:p14="http://schemas.microsoft.com/office/powerpoint/2010/main" xmlns:a14="http://schemas.microsoft.com/office/drawing/2010/main" xmlns:a16="http://schemas.microsoft.com/office/drawing/2014/main" xmlns="" w="9525">
                   <a:solidFill>
                     <a:srgbClr val="000000"/>
                   </a:solidFill>
@@ -19206,7 +19248,7 @@
             </a:ln>
             <a:extLst>
               <a:ext uri="{91240B29-F687-4f45-9708-019B960494DF}">
-                <a14:hiddenLine xmlns="" xmlns:a16="http://schemas.microsoft.com/office/drawing/2014/main" xmlns:a14="http://schemas.microsoft.com/office/drawing/2010/main" xmlns:p14="http://schemas.microsoft.com/office/powerpoint/2010/main" w="9525">
+                <a14:hiddenLine xmlns:p14="http://schemas.microsoft.com/office/powerpoint/2010/main" xmlns:a14="http://schemas.microsoft.com/office/drawing/2010/main" xmlns:a16="http://schemas.microsoft.com/office/drawing/2014/main" xmlns="" w="9525">
                   <a:solidFill>
                     <a:srgbClr val="000000"/>
                   </a:solidFill>
@@ -19331,7 +19373,7 @@
             </a:ln>
             <a:extLst>
               <a:ext uri="{91240B29-F687-4f45-9708-019B960494DF}">
-                <a14:hiddenLine xmlns="" xmlns:a16="http://schemas.microsoft.com/office/drawing/2014/main" xmlns:a14="http://schemas.microsoft.com/office/drawing/2010/main" xmlns:p14="http://schemas.microsoft.com/office/powerpoint/2010/main" w="9525">
+                <a14:hiddenLine xmlns:p14="http://schemas.microsoft.com/office/powerpoint/2010/main" xmlns:a14="http://schemas.microsoft.com/office/drawing/2010/main" xmlns:a16="http://schemas.microsoft.com/office/drawing/2014/main" xmlns="" w="9525">
                   <a:solidFill>
                     <a:srgbClr val="000000"/>
                   </a:solidFill>
@@ -19408,7 +19450,7 @@
             </a:ln>
             <a:extLst>
               <a:ext uri="{91240B29-F687-4f45-9708-019B960494DF}">
-                <a14:hiddenLine xmlns="" xmlns:a16="http://schemas.microsoft.com/office/drawing/2014/main" xmlns:a14="http://schemas.microsoft.com/office/drawing/2010/main" xmlns:p14="http://schemas.microsoft.com/office/powerpoint/2010/main" w="9525">
+                <a14:hiddenLine xmlns:p14="http://schemas.microsoft.com/office/powerpoint/2010/main" xmlns:a14="http://schemas.microsoft.com/office/drawing/2010/main" xmlns:a16="http://schemas.microsoft.com/office/drawing/2014/main" xmlns="" w="9525">
                   <a:solidFill>
                     <a:srgbClr val="000000"/>
                   </a:solidFill>
@@ -19513,7 +19555,7 @@
             </a:ln>
             <a:extLst>
               <a:ext uri="{91240B29-F687-4f45-9708-019B960494DF}">
-                <a14:hiddenLine xmlns="" xmlns:a16="http://schemas.microsoft.com/office/drawing/2014/main" xmlns:a14="http://schemas.microsoft.com/office/drawing/2010/main" xmlns:p14="http://schemas.microsoft.com/office/powerpoint/2010/main" w="9525">
+                <a14:hiddenLine xmlns:p14="http://schemas.microsoft.com/office/powerpoint/2010/main" xmlns:a14="http://schemas.microsoft.com/office/drawing/2010/main" xmlns:a16="http://schemas.microsoft.com/office/drawing/2014/main" xmlns="" w="9525">
                   <a:solidFill>
                     <a:srgbClr val="000000"/>
                   </a:solidFill>
@@ -19618,7 +19660,7 @@
             </a:ln>
             <a:extLst>
               <a:ext uri="{91240B29-F687-4f45-9708-019B960494DF}">
-                <a14:hiddenLine xmlns="" xmlns:a16="http://schemas.microsoft.com/office/drawing/2014/main" xmlns:a14="http://schemas.microsoft.com/office/drawing/2010/main" xmlns:p14="http://schemas.microsoft.com/office/powerpoint/2010/main" w="9525">
+                <a14:hiddenLine xmlns:p14="http://schemas.microsoft.com/office/powerpoint/2010/main" xmlns:a14="http://schemas.microsoft.com/office/drawing/2010/main" xmlns:a16="http://schemas.microsoft.com/office/drawing/2014/main" xmlns="" w="9525">
                   <a:solidFill>
                     <a:srgbClr val="000000"/>
                   </a:solidFill>
@@ -19695,7 +19737,7 @@
             </a:ln>
             <a:extLst>
               <a:ext uri="{91240B29-F687-4f45-9708-019B960494DF}">
-                <a14:hiddenLine xmlns="" xmlns:a16="http://schemas.microsoft.com/office/drawing/2014/main" xmlns:a14="http://schemas.microsoft.com/office/drawing/2010/main" xmlns:p14="http://schemas.microsoft.com/office/powerpoint/2010/main" w="9525">
+                <a14:hiddenLine xmlns:p14="http://schemas.microsoft.com/office/powerpoint/2010/main" xmlns:a14="http://schemas.microsoft.com/office/drawing/2010/main" xmlns:a16="http://schemas.microsoft.com/office/drawing/2014/main" xmlns="" w="9525">
                   <a:solidFill>
                     <a:srgbClr val="000000"/>
                   </a:solidFill>
@@ -19800,7 +19842,7 @@
             </a:ln>
             <a:extLst>
               <a:ext uri="{91240B29-F687-4f45-9708-019B960494DF}">
-                <a14:hiddenLine xmlns="" xmlns:a16="http://schemas.microsoft.com/office/drawing/2014/main" xmlns:a14="http://schemas.microsoft.com/office/drawing/2010/main" xmlns:p14="http://schemas.microsoft.com/office/powerpoint/2010/main" w="9525">
+                <a14:hiddenLine xmlns:p14="http://schemas.microsoft.com/office/powerpoint/2010/main" xmlns:a14="http://schemas.microsoft.com/office/drawing/2010/main" xmlns:a16="http://schemas.microsoft.com/office/drawing/2014/main" xmlns="" w="9525">
                   <a:solidFill>
                     <a:srgbClr val="000000"/>
                   </a:solidFill>
@@ -19905,7 +19947,7 @@
             </a:ln>
             <a:extLst>
               <a:ext uri="{91240B29-F687-4f45-9708-019B960494DF}">
-                <a14:hiddenLine xmlns="" xmlns:a16="http://schemas.microsoft.com/office/drawing/2014/main" xmlns:a14="http://schemas.microsoft.com/office/drawing/2010/main" xmlns:p14="http://schemas.microsoft.com/office/powerpoint/2010/main" w="9525">
+                <a14:hiddenLine xmlns:p14="http://schemas.microsoft.com/office/powerpoint/2010/main" xmlns:a14="http://schemas.microsoft.com/office/drawing/2010/main" xmlns:a16="http://schemas.microsoft.com/office/drawing/2014/main" xmlns="" w="9525">
                   <a:solidFill>
                     <a:srgbClr val="000000"/>
                   </a:solidFill>
@@ -19976,7 +20018,7 @@
             </a:ln>
             <a:extLst>
               <a:ext uri="{91240B29-F687-4f45-9708-019B960494DF}">
-                <a14:hiddenLine xmlns="" xmlns:a16="http://schemas.microsoft.com/office/drawing/2014/main" xmlns:a14="http://schemas.microsoft.com/office/drawing/2010/main" xmlns:p14="http://schemas.microsoft.com/office/powerpoint/2010/main" w="9525">
+                <a14:hiddenLine xmlns:p14="http://schemas.microsoft.com/office/powerpoint/2010/main" xmlns:a14="http://schemas.microsoft.com/office/drawing/2010/main" xmlns:a16="http://schemas.microsoft.com/office/drawing/2014/main" xmlns="" w="9525">
                   <a:solidFill>
                     <a:srgbClr val="000000"/>
                   </a:solidFill>
@@ -20081,7 +20123,7 @@
             </a:ln>
             <a:extLst>
               <a:ext uri="{91240B29-F687-4f45-9708-019B960494DF}">
-                <a14:hiddenLine xmlns="" xmlns:a16="http://schemas.microsoft.com/office/drawing/2014/main" xmlns:a14="http://schemas.microsoft.com/office/drawing/2010/main" xmlns:p14="http://schemas.microsoft.com/office/powerpoint/2010/main" w="9525">
+                <a14:hiddenLine xmlns:p14="http://schemas.microsoft.com/office/powerpoint/2010/main" xmlns:a14="http://schemas.microsoft.com/office/drawing/2010/main" xmlns:a16="http://schemas.microsoft.com/office/drawing/2014/main" xmlns="" w="9525">
                   <a:solidFill>
                     <a:srgbClr val="000000"/>
                   </a:solidFill>
@@ -20152,7 +20194,7 @@
             </a:ln>
             <a:extLst>
               <a:ext uri="{91240B29-F687-4f45-9708-019B960494DF}">
-                <a14:hiddenLine xmlns="" xmlns:a16="http://schemas.microsoft.com/office/drawing/2014/main" xmlns:a14="http://schemas.microsoft.com/office/drawing/2010/main" xmlns:p14="http://schemas.microsoft.com/office/powerpoint/2010/main" w="9525">
+                <a14:hiddenLine xmlns:p14="http://schemas.microsoft.com/office/powerpoint/2010/main" xmlns:a14="http://schemas.microsoft.com/office/drawing/2010/main" xmlns:a16="http://schemas.microsoft.com/office/drawing/2014/main" xmlns="" w="9525">
                   <a:solidFill>
                     <a:srgbClr val="000000"/>
                   </a:solidFill>
@@ -20257,7 +20299,7 @@
             </a:ln>
             <a:extLst>
               <a:ext uri="{91240B29-F687-4f45-9708-019B960494DF}">
-                <a14:hiddenLine xmlns="" xmlns:a16="http://schemas.microsoft.com/office/drawing/2014/main" xmlns:a14="http://schemas.microsoft.com/office/drawing/2010/main" xmlns:p14="http://schemas.microsoft.com/office/powerpoint/2010/main" w="9525">
+                <a14:hiddenLine xmlns:p14="http://schemas.microsoft.com/office/powerpoint/2010/main" xmlns:a14="http://schemas.microsoft.com/office/drawing/2010/main" xmlns:a16="http://schemas.microsoft.com/office/drawing/2014/main" xmlns="" w="9525">
                   <a:solidFill>
                     <a:srgbClr val="000000"/>
                   </a:solidFill>
@@ -20340,7 +20382,7 @@
             </a:ln>
             <a:extLst>
               <a:ext uri="{91240B29-F687-4f45-9708-019B960494DF}">
-                <a14:hiddenLine xmlns="" xmlns:a16="http://schemas.microsoft.com/office/drawing/2014/main" xmlns:a14="http://schemas.microsoft.com/office/drawing/2010/main" xmlns:p14="http://schemas.microsoft.com/office/powerpoint/2010/main" w="9525">
+                <a14:hiddenLine xmlns:p14="http://schemas.microsoft.com/office/powerpoint/2010/main" xmlns:a14="http://schemas.microsoft.com/office/drawing/2010/main" xmlns:a16="http://schemas.microsoft.com/office/drawing/2014/main" xmlns="" w="9525">
                   <a:solidFill>
                     <a:srgbClr val="000000"/>
                   </a:solidFill>
@@ -20445,7 +20487,7 @@
             </a:ln>
             <a:extLst>
               <a:ext uri="{91240B29-F687-4f45-9708-019B960494DF}">
-                <a14:hiddenLine xmlns="" xmlns:a16="http://schemas.microsoft.com/office/drawing/2014/main" xmlns:a14="http://schemas.microsoft.com/office/drawing/2010/main" xmlns:p14="http://schemas.microsoft.com/office/powerpoint/2010/main" w="9525">
+                <a14:hiddenLine xmlns:p14="http://schemas.microsoft.com/office/powerpoint/2010/main" xmlns:a14="http://schemas.microsoft.com/office/drawing/2010/main" xmlns:a16="http://schemas.microsoft.com/office/drawing/2014/main" xmlns="" w="9525">
                   <a:solidFill>
                     <a:srgbClr val="000000"/>
                   </a:solidFill>
@@ -20528,7 +20570,7 @@
             </a:ln>
             <a:extLst>
               <a:ext uri="{91240B29-F687-4f45-9708-019B960494DF}">
-                <a14:hiddenLine xmlns="" xmlns:a16="http://schemas.microsoft.com/office/drawing/2014/main" xmlns:a14="http://schemas.microsoft.com/office/drawing/2010/main" xmlns:p14="http://schemas.microsoft.com/office/powerpoint/2010/main" w="9525">
+                <a14:hiddenLine xmlns:p14="http://schemas.microsoft.com/office/powerpoint/2010/main" xmlns:a14="http://schemas.microsoft.com/office/drawing/2010/main" xmlns:a16="http://schemas.microsoft.com/office/drawing/2014/main" xmlns="" w="9525">
                   <a:solidFill>
                     <a:srgbClr val="000000"/>
                   </a:solidFill>
@@ -20633,7 +20675,7 @@
             </a:ln>
             <a:extLst>
               <a:ext uri="{91240B29-F687-4f45-9708-019B960494DF}">
-                <a14:hiddenLine xmlns="" xmlns:a16="http://schemas.microsoft.com/office/drawing/2014/main" xmlns:a14="http://schemas.microsoft.com/office/drawing/2010/main" xmlns:p14="http://schemas.microsoft.com/office/powerpoint/2010/main" w="9525">
+                <a14:hiddenLine xmlns:p14="http://schemas.microsoft.com/office/powerpoint/2010/main" xmlns:a14="http://schemas.microsoft.com/office/drawing/2010/main" xmlns:a16="http://schemas.microsoft.com/office/drawing/2014/main" xmlns="" w="9525">
                   <a:solidFill>
                     <a:srgbClr val="000000"/>
                   </a:solidFill>
@@ -20682,7 +20724,7 @@
             </a:ln>
             <a:extLst>
               <a:ext uri="{91240B29-F687-4f45-9708-019B960494DF}">
-                <a14:hiddenLine xmlns="" xmlns:a16="http://schemas.microsoft.com/office/drawing/2014/main" xmlns:a14="http://schemas.microsoft.com/office/drawing/2010/main" xmlns:p14="http://schemas.microsoft.com/office/powerpoint/2010/main" w="9525">
+                <a14:hiddenLine xmlns:p14="http://schemas.microsoft.com/office/powerpoint/2010/main" xmlns:a14="http://schemas.microsoft.com/office/drawing/2010/main" xmlns:a16="http://schemas.microsoft.com/office/drawing/2014/main" xmlns="" w="9525">
                   <a:solidFill>
                     <a:srgbClr val="000000"/>
                   </a:solidFill>
@@ -20787,7 +20829,7 @@
             </a:ln>
             <a:extLst>
               <a:ext uri="{91240B29-F687-4f45-9708-019B960494DF}">
-                <a14:hiddenLine xmlns="" xmlns:a16="http://schemas.microsoft.com/office/drawing/2014/main" xmlns:a14="http://schemas.microsoft.com/office/drawing/2010/main" xmlns:p14="http://schemas.microsoft.com/office/powerpoint/2010/main" w="9525">
+                <a14:hiddenLine xmlns:p14="http://schemas.microsoft.com/office/powerpoint/2010/main" xmlns:a14="http://schemas.microsoft.com/office/drawing/2010/main" xmlns:a16="http://schemas.microsoft.com/office/drawing/2014/main" xmlns="" w="9525">
                   <a:solidFill>
                     <a:srgbClr val="000000"/>
                   </a:solidFill>
@@ -20864,7 +20906,7 @@
             </a:ln>
             <a:extLst>
               <a:ext uri="{91240B29-F687-4f45-9708-019B960494DF}">
-                <a14:hiddenLine xmlns="" xmlns:a16="http://schemas.microsoft.com/office/drawing/2014/main" xmlns:a14="http://schemas.microsoft.com/office/drawing/2010/main" xmlns:p14="http://schemas.microsoft.com/office/powerpoint/2010/main" w="9525">
+                <a14:hiddenLine xmlns:p14="http://schemas.microsoft.com/office/powerpoint/2010/main" xmlns:a14="http://schemas.microsoft.com/office/drawing/2010/main" xmlns:a16="http://schemas.microsoft.com/office/drawing/2014/main" xmlns="" w="9525">
                   <a:solidFill>
                     <a:srgbClr val="000000"/>
                   </a:solidFill>
@@ -20941,7 +20983,7 @@
             </a:ln>
             <a:extLst>
               <a:ext uri="{91240B29-F687-4f45-9708-019B960494DF}">
-                <a14:hiddenLine xmlns="" xmlns:a16="http://schemas.microsoft.com/office/drawing/2014/main" xmlns:a14="http://schemas.microsoft.com/office/drawing/2010/main" xmlns:p14="http://schemas.microsoft.com/office/powerpoint/2010/main" w="9525">
+                <a14:hiddenLine xmlns:p14="http://schemas.microsoft.com/office/powerpoint/2010/main" xmlns:a14="http://schemas.microsoft.com/office/drawing/2010/main" xmlns:a16="http://schemas.microsoft.com/office/drawing/2014/main" xmlns="" w="9525">
                   <a:solidFill>
                     <a:srgbClr val="000000"/>
                   </a:solidFill>
@@ -21046,7 +21088,7 @@
             </a:ln>
             <a:extLst>
               <a:ext uri="{91240B29-F687-4f45-9708-019B960494DF}">
-                <a14:hiddenLine xmlns="" xmlns:a16="http://schemas.microsoft.com/office/drawing/2014/main" xmlns:a14="http://schemas.microsoft.com/office/drawing/2010/main" xmlns:p14="http://schemas.microsoft.com/office/powerpoint/2010/main" w="9525">
+                <a14:hiddenLine xmlns:p14="http://schemas.microsoft.com/office/powerpoint/2010/main" xmlns:a14="http://schemas.microsoft.com/office/drawing/2010/main" xmlns:a16="http://schemas.microsoft.com/office/drawing/2014/main" xmlns="" w="9525">
                   <a:solidFill>
                     <a:srgbClr val="000000"/>
                   </a:solidFill>
@@ -21129,7 +21171,7 @@
             </a:ln>
             <a:extLst>
               <a:ext uri="{91240B29-F687-4f45-9708-019B960494DF}">
-                <a14:hiddenLine xmlns="" xmlns:a16="http://schemas.microsoft.com/office/drawing/2014/main" xmlns:a14="http://schemas.microsoft.com/office/drawing/2010/main" xmlns:p14="http://schemas.microsoft.com/office/powerpoint/2010/main" w="9525">
+                <a14:hiddenLine xmlns:p14="http://schemas.microsoft.com/office/powerpoint/2010/main" xmlns:a14="http://schemas.microsoft.com/office/drawing/2010/main" xmlns:a16="http://schemas.microsoft.com/office/drawing/2014/main" xmlns="" w="9525">
                   <a:solidFill>
                     <a:srgbClr val="000000"/>
                   </a:solidFill>
@@ -21206,7 +21248,7 @@
             </a:ln>
             <a:extLst>
               <a:ext uri="{91240B29-F687-4f45-9708-019B960494DF}">
-                <a14:hiddenLine xmlns="" xmlns:a16="http://schemas.microsoft.com/office/drawing/2014/main" xmlns:a14="http://schemas.microsoft.com/office/drawing/2010/main" xmlns:p14="http://schemas.microsoft.com/office/powerpoint/2010/main" w="9525">
+                <a14:hiddenLine xmlns:p14="http://schemas.microsoft.com/office/powerpoint/2010/main" xmlns:a14="http://schemas.microsoft.com/office/drawing/2010/main" xmlns:a16="http://schemas.microsoft.com/office/drawing/2014/main" xmlns="" w="9525">
                   <a:solidFill>
                     <a:srgbClr val="000000"/>
                   </a:solidFill>
@@ -21311,7 +21353,7 @@
             </a:ln>
             <a:extLst>
               <a:ext uri="{91240B29-F687-4f45-9708-019B960494DF}">
-                <a14:hiddenLine xmlns="" xmlns:a16="http://schemas.microsoft.com/office/drawing/2014/main" xmlns:a14="http://schemas.microsoft.com/office/drawing/2010/main" xmlns:p14="http://schemas.microsoft.com/office/powerpoint/2010/main" w="9525">
+                <a14:hiddenLine xmlns:p14="http://schemas.microsoft.com/office/powerpoint/2010/main" xmlns:a14="http://schemas.microsoft.com/office/drawing/2010/main" xmlns:a16="http://schemas.microsoft.com/office/drawing/2014/main" xmlns="" w="9525">
                   <a:solidFill>
                     <a:srgbClr val="000000"/>
                   </a:solidFill>
@@ -21388,7 +21430,7 @@
             </a:ln>
             <a:extLst>
               <a:ext uri="{91240B29-F687-4f45-9708-019B960494DF}">
-                <a14:hiddenLine xmlns="" xmlns:a16="http://schemas.microsoft.com/office/drawing/2014/main" xmlns:a14="http://schemas.microsoft.com/office/drawing/2010/main" xmlns:p14="http://schemas.microsoft.com/office/powerpoint/2010/main" w="9525">
+                <a14:hiddenLine xmlns:p14="http://schemas.microsoft.com/office/powerpoint/2010/main" xmlns:a14="http://schemas.microsoft.com/office/drawing/2010/main" xmlns:a16="http://schemas.microsoft.com/office/drawing/2014/main" xmlns="" w="9525">
                   <a:solidFill>
                     <a:srgbClr val="000000"/>
                   </a:solidFill>
@@ -21493,7 +21535,7 @@
             </a:ln>
             <a:extLst>
               <a:ext uri="{91240B29-F687-4f45-9708-019B960494DF}">
-                <a14:hiddenLine xmlns="" xmlns:a16="http://schemas.microsoft.com/office/drawing/2014/main" xmlns:a14="http://schemas.microsoft.com/office/drawing/2010/main" xmlns:p14="http://schemas.microsoft.com/office/powerpoint/2010/main" w="9525">
+                <a14:hiddenLine xmlns:p14="http://schemas.microsoft.com/office/powerpoint/2010/main" xmlns:a14="http://schemas.microsoft.com/office/drawing/2010/main" xmlns:a16="http://schemas.microsoft.com/office/drawing/2014/main" xmlns="" w="9525">
                   <a:solidFill>
                     <a:srgbClr val="000000"/>
                   </a:solidFill>
@@ -21570,7 +21612,7 @@
             </a:ln>
             <a:extLst>
               <a:ext uri="{91240B29-F687-4f45-9708-019B960494DF}">
-                <a14:hiddenLine xmlns="" xmlns:a16="http://schemas.microsoft.com/office/drawing/2014/main" xmlns:a14="http://schemas.microsoft.com/office/drawing/2010/main" xmlns:p14="http://schemas.microsoft.com/office/powerpoint/2010/main" w="9525">
+                <a14:hiddenLine xmlns:p14="http://schemas.microsoft.com/office/powerpoint/2010/main" xmlns:a14="http://schemas.microsoft.com/office/drawing/2010/main" xmlns:a16="http://schemas.microsoft.com/office/drawing/2014/main" xmlns="" w="9525">
                   <a:solidFill>
                     <a:srgbClr val="000000"/>
                   </a:solidFill>
@@ -21675,7 +21717,7 @@
             </a:ln>
             <a:extLst>
               <a:ext uri="{91240B29-F687-4f45-9708-019B960494DF}">
-                <a14:hiddenLine xmlns="" xmlns:a16="http://schemas.microsoft.com/office/drawing/2014/main" xmlns:a14="http://schemas.microsoft.com/office/drawing/2010/main" xmlns:p14="http://schemas.microsoft.com/office/powerpoint/2010/main" w="9525">
+                <a14:hiddenLine xmlns:p14="http://schemas.microsoft.com/office/powerpoint/2010/main" xmlns:a14="http://schemas.microsoft.com/office/drawing/2010/main" xmlns:a16="http://schemas.microsoft.com/office/drawing/2014/main" xmlns="" w="9525">
                   <a:solidFill>
                     <a:srgbClr val="000000"/>
                   </a:solidFill>
@@ -21724,7 +21766,7 @@
             </a:ln>
             <a:extLst>
               <a:ext uri="{91240B29-F687-4f45-9708-019B960494DF}">
-                <a14:hiddenLine xmlns="" xmlns:a16="http://schemas.microsoft.com/office/drawing/2014/main" xmlns:a14="http://schemas.microsoft.com/office/drawing/2010/main" xmlns:p14="http://schemas.microsoft.com/office/powerpoint/2010/main" w="9525">
+                <a14:hiddenLine xmlns:p14="http://schemas.microsoft.com/office/powerpoint/2010/main" xmlns:a14="http://schemas.microsoft.com/office/drawing/2010/main" xmlns:a16="http://schemas.microsoft.com/office/drawing/2014/main" xmlns="" w="9525">
                   <a:solidFill>
                     <a:srgbClr val="000000"/>
                   </a:solidFill>
@@ -21804,7 +21846,7 @@
             </a:ln>
             <a:extLst>
               <a:ext uri="{91240B29-F687-4f45-9708-019B960494DF}">
-                <a14:hiddenLine xmlns="" xmlns:a16="http://schemas.microsoft.com/office/drawing/2014/main" xmlns:a14="http://schemas.microsoft.com/office/drawing/2010/main" xmlns:p14="http://schemas.microsoft.com/office/powerpoint/2010/main" w="9525">
+                <a14:hiddenLine xmlns:p14="http://schemas.microsoft.com/office/powerpoint/2010/main" xmlns:a14="http://schemas.microsoft.com/office/drawing/2010/main" xmlns:a16="http://schemas.microsoft.com/office/drawing/2014/main" xmlns="" w="9525">
                   <a:solidFill>
                     <a:srgbClr val="000000"/>
                   </a:solidFill>
@@ -21909,7 +21951,7 @@
             </a:ln>
             <a:extLst>
               <a:ext uri="{91240B29-F687-4f45-9708-019B960494DF}">
-                <a14:hiddenLine xmlns="" xmlns:a16="http://schemas.microsoft.com/office/drawing/2014/main" xmlns:a14="http://schemas.microsoft.com/office/drawing/2010/main" xmlns:p14="http://schemas.microsoft.com/office/powerpoint/2010/main" w="9525">
+                <a14:hiddenLine xmlns:p14="http://schemas.microsoft.com/office/powerpoint/2010/main" xmlns:a14="http://schemas.microsoft.com/office/drawing/2010/main" xmlns:a16="http://schemas.microsoft.com/office/drawing/2014/main" xmlns="" w="9525">
                   <a:solidFill>
                     <a:srgbClr val="000000"/>
                   </a:solidFill>
@@ -21986,7 +22028,7 @@
             </a:ln>
             <a:extLst>
               <a:ext uri="{91240B29-F687-4f45-9708-019B960494DF}">
-                <a14:hiddenLine xmlns="" xmlns:a16="http://schemas.microsoft.com/office/drawing/2014/main" xmlns:a14="http://schemas.microsoft.com/office/drawing/2010/main" xmlns:p14="http://schemas.microsoft.com/office/powerpoint/2010/main" w="9525">
+                <a14:hiddenLine xmlns:p14="http://schemas.microsoft.com/office/powerpoint/2010/main" xmlns:a14="http://schemas.microsoft.com/office/drawing/2010/main" xmlns:a16="http://schemas.microsoft.com/office/drawing/2014/main" xmlns="" w="9525">
                   <a:solidFill>
                     <a:srgbClr val="000000"/>
                   </a:solidFill>
@@ -22091,7 +22133,7 @@
             </a:ln>
             <a:extLst>
               <a:ext uri="{91240B29-F687-4f45-9708-019B960494DF}">
-                <a14:hiddenLine xmlns="" xmlns:a16="http://schemas.microsoft.com/office/drawing/2014/main" xmlns:a14="http://schemas.microsoft.com/office/drawing/2010/main" xmlns:p14="http://schemas.microsoft.com/office/powerpoint/2010/main" w="9525">
+                <a14:hiddenLine xmlns:p14="http://schemas.microsoft.com/office/powerpoint/2010/main" xmlns:a14="http://schemas.microsoft.com/office/drawing/2010/main" xmlns:a16="http://schemas.microsoft.com/office/drawing/2014/main" xmlns="" w="9525">
                   <a:solidFill>
                     <a:srgbClr val="000000"/>
                   </a:solidFill>
@@ -22196,7 +22238,7 @@
             </a:ln>
             <a:extLst>
               <a:ext uri="{91240B29-F687-4f45-9708-019B960494DF}">
-                <a14:hiddenLine xmlns="" xmlns:a16="http://schemas.microsoft.com/office/drawing/2014/main" xmlns:a14="http://schemas.microsoft.com/office/drawing/2010/main" xmlns:p14="http://schemas.microsoft.com/office/powerpoint/2010/main" w="9525">
+                <a14:hiddenLine xmlns:p14="http://schemas.microsoft.com/office/powerpoint/2010/main" xmlns:a14="http://schemas.microsoft.com/office/drawing/2010/main" xmlns:a16="http://schemas.microsoft.com/office/drawing/2014/main" xmlns="" w="9525">
                   <a:solidFill>
                     <a:srgbClr val="000000"/>
                   </a:solidFill>
@@ -22276,7 +22318,7 @@
             </a:ln>
             <a:extLst>
               <a:ext uri="{91240B29-F687-4f45-9708-019B960494DF}">
-                <a14:hiddenLine xmlns="" xmlns:a16="http://schemas.microsoft.com/office/drawing/2014/main" xmlns:a14="http://schemas.microsoft.com/office/drawing/2010/main" xmlns:p14="http://schemas.microsoft.com/office/powerpoint/2010/main" w="9525">
+                <a14:hiddenLine xmlns:p14="http://schemas.microsoft.com/office/powerpoint/2010/main" xmlns:a14="http://schemas.microsoft.com/office/drawing/2010/main" xmlns:a16="http://schemas.microsoft.com/office/drawing/2014/main" xmlns="" w="9525">
                   <a:solidFill>
                     <a:srgbClr val="000000"/>
                   </a:solidFill>
@@ -22353,7 +22395,7 @@
             </a:ln>
             <a:extLst>
               <a:ext uri="{91240B29-F687-4f45-9708-019B960494DF}">
-                <a14:hiddenLine xmlns="" xmlns:a16="http://schemas.microsoft.com/office/drawing/2014/main" xmlns:a14="http://schemas.microsoft.com/office/drawing/2010/main" xmlns:p14="http://schemas.microsoft.com/office/powerpoint/2010/main" w="9525">
+                <a14:hiddenLine xmlns:p14="http://schemas.microsoft.com/office/powerpoint/2010/main" xmlns:a14="http://schemas.microsoft.com/office/drawing/2010/main" xmlns:a16="http://schemas.microsoft.com/office/drawing/2014/main" xmlns="" w="9525">
                   <a:solidFill>
                     <a:srgbClr val="000000"/>
                   </a:solidFill>
@@ -22458,7 +22500,7 @@
             </a:ln>
             <a:extLst>
               <a:ext uri="{91240B29-F687-4f45-9708-019B960494DF}">
-                <a14:hiddenLine xmlns="" xmlns:a16="http://schemas.microsoft.com/office/drawing/2014/main" xmlns:a14="http://schemas.microsoft.com/office/drawing/2010/main" xmlns:p14="http://schemas.microsoft.com/office/powerpoint/2010/main" w="9525">
+                <a14:hiddenLine xmlns:p14="http://schemas.microsoft.com/office/powerpoint/2010/main" xmlns:a14="http://schemas.microsoft.com/office/drawing/2010/main" xmlns:a16="http://schemas.microsoft.com/office/drawing/2014/main" xmlns="" w="9525">
                   <a:solidFill>
                     <a:srgbClr val="000000"/>
                   </a:solidFill>
@@ -22563,7 +22605,7 @@
             </a:ln>
             <a:extLst>
               <a:ext uri="{91240B29-F687-4f45-9708-019B960494DF}">
-                <a14:hiddenLine xmlns="" xmlns:a16="http://schemas.microsoft.com/office/drawing/2014/main" xmlns:a14="http://schemas.microsoft.com/office/drawing/2010/main" xmlns:p14="http://schemas.microsoft.com/office/powerpoint/2010/main" w="9525">
+                <a14:hiddenLine xmlns:p14="http://schemas.microsoft.com/office/powerpoint/2010/main" xmlns:a14="http://schemas.microsoft.com/office/drawing/2010/main" xmlns:a16="http://schemas.microsoft.com/office/drawing/2014/main" xmlns="" w="9525">
                   <a:solidFill>
                     <a:srgbClr val="000000"/>
                   </a:solidFill>
@@ -22640,7 +22682,7 @@
             </a:ln>
             <a:extLst>
               <a:ext uri="{91240B29-F687-4f45-9708-019B960494DF}">
-                <a14:hiddenLine xmlns="" xmlns:a16="http://schemas.microsoft.com/office/drawing/2014/main" xmlns:a14="http://schemas.microsoft.com/office/drawing/2010/main" xmlns:p14="http://schemas.microsoft.com/office/powerpoint/2010/main" w="9525">
+                <a14:hiddenLine xmlns:p14="http://schemas.microsoft.com/office/powerpoint/2010/main" xmlns:a14="http://schemas.microsoft.com/office/drawing/2010/main" xmlns:a16="http://schemas.microsoft.com/office/drawing/2014/main" xmlns="" w="9525">
                   <a:solidFill>
                     <a:srgbClr val="000000"/>
                   </a:solidFill>
@@ -22775,7 +22817,7 @@
             </a:ln>
             <a:extLst>
               <a:ext uri="{91240B29-F687-4f45-9708-019B960494DF}">
-                <a14:hiddenLine xmlns="" xmlns:a16="http://schemas.microsoft.com/office/drawing/2014/main" xmlns:a14="http://schemas.microsoft.com/office/drawing/2010/main" xmlns:p14="http://schemas.microsoft.com/office/powerpoint/2010/main" w="9525">
+                <a14:hiddenLine xmlns:p14="http://schemas.microsoft.com/office/powerpoint/2010/main" xmlns:a14="http://schemas.microsoft.com/office/drawing/2010/main" xmlns:a16="http://schemas.microsoft.com/office/drawing/2014/main" xmlns="" w="9525">
                   <a:solidFill>
                     <a:srgbClr val="000000"/>
                   </a:solidFill>
@@ -22858,7 +22900,7 @@
             </a:ln>
             <a:extLst>
               <a:ext uri="{91240B29-F687-4f45-9708-019B960494DF}">
-                <a14:hiddenLine xmlns="" xmlns:a16="http://schemas.microsoft.com/office/drawing/2014/main" xmlns:a14="http://schemas.microsoft.com/office/drawing/2010/main" xmlns:p14="http://schemas.microsoft.com/office/powerpoint/2010/main" w="9525">
+                <a14:hiddenLine xmlns:p14="http://schemas.microsoft.com/office/powerpoint/2010/main" xmlns:a14="http://schemas.microsoft.com/office/drawing/2010/main" xmlns:a16="http://schemas.microsoft.com/office/drawing/2014/main" xmlns="" w="9525">
                   <a:solidFill>
                     <a:srgbClr val="000000"/>
                   </a:solidFill>
@@ -22963,7 +23005,7 @@
             </a:ln>
             <a:extLst>
               <a:ext uri="{91240B29-F687-4f45-9708-019B960494DF}">
-                <a14:hiddenLine xmlns="" xmlns:a16="http://schemas.microsoft.com/office/drawing/2014/main" xmlns:a14="http://schemas.microsoft.com/office/drawing/2010/main" xmlns:p14="http://schemas.microsoft.com/office/powerpoint/2010/main" w="9525">
+                <a14:hiddenLine xmlns:p14="http://schemas.microsoft.com/office/powerpoint/2010/main" xmlns:a14="http://schemas.microsoft.com/office/drawing/2010/main" xmlns:a16="http://schemas.microsoft.com/office/drawing/2014/main" xmlns="" w="9525">
                   <a:solidFill>
                     <a:srgbClr val="000000"/>
                   </a:solidFill>
@@ -23233,7 +23275,7 @@
             <a:noFill/>
             <a:extLst>
               <a:ext uri="{909E8E84-426E-40dd-AFC4-6F175D3DCCD1}">
-                <a14:hiddenFill xmlns="" xmlns:a16="http://schemas.microsoft.com/office/drawing/2014/main" xmlns:a14="http://schemas.microsoft.com/office/drawing/2010/main" xmlns:p14="http://schemas.microsoft.com/office/powerpoint/2010/main">
+                <a14:hiddenFill xmlns:p14="http://schemas.microsoft.com/office/powerpoint/2010/main" xmlns:a14="http://schemas.microsoft.com/office/drawing/2010/main" xmlns:a16="http://schemas.microsoft.com/office/drawing/2014/main" xmlns="">
                   <a:solidFill>
                     <a:srgbClr val="FFFFFF"/>
                   </a:solidFill>
@@ -23397,7 +23439,7 @@
             </a:ln>
             <a:extLst>
               <a:ext uri="{91240B29-F687-4f45-9708-019B960494DF}">
-                <a14:hiddenLine xmlns="" xmlns:a16="http://schemas.microsoft.com/office/drawing/2014/main" xmlns:a14="http://schemas.microsoft.com/office/drawing/2010/main" xmlns:p14="http://schemas.microsoft.com/office/powerpoint/2010/main" w="9525">
+                <a14:hiddenLine xmlns:p14="http://schemas.microsoft.com/office/powerpoint/2010/main" xmlns:a14="http://schemas.microsoft.com/office/drawing/2010/main" xmlns:a16="http://schemas.microsoft.com/office/drawing/2014/main" xmlns="" w="9525">
                   <a:solidFill>
                     <a:srgbClr val="000000"/>
                   </a:solidFill>
@@ -23502,7 +23544,7 @@
             </a:ln>
             <a:extLst>
               <a:ext uri="{91240B29-F687-4f45-9708-019B960494DF}">
-                <a14:hiddenLine xmlns="" xmlns:a16="http://schemas.microsoft.com/office/drawing/2014/main" xmlns:a14="http://schemas.microsoft.com/office/drawing/2010/main" xmlns:p14="http://schemas.microsoft.com/office/powerpoint/2010/main" w="9525">
+                <a14:hiddenLine xmlns:p14="http://schemas.microsoft.com/office/powerpoint/2010/main" xmlns:a14="http://schemas.microsoft.com/office/drawing/2010/main" xmlns:a16="http://schemas.microsoft.com/office/drawing/2014/main" xmlns="" w="9525">
                   <a:solidFill>
                     <a:srgbClr val="000000"/>
                   </a:solidFill>
@@ -23607,7 +23649,7 @@
             </a:ln>
             <a:extLst>
               <a:ext uri="{91240B29-F687-4f45-9708-019B960494DF}">
-                <a14:hiddenLine xmlns="" xmlns:a16="http://schemas.microsoft.com/office/drawing/2014/main" xmlns:a14="http://schemas.microsoft.com/office/drawing/2010/main" xmlns:p14="http://schemas.microsoft.com/office/powerpoint/2010/main" w="9525">
+                <a14:hiddenLine xmlns:p14="http://schemas.microsoft.com/office/powerpoint/2010/main" xmlns:a14="http://schemas.microsoft.com/office/drawing/2010/main" xmlns:a16="http://schemas.microsoft.com/office/drawing/2014/main" xmlns="" w="9525">
                   <a:solidFill>
                     <a:srgbClr val="000000"/>
                   </a:solidFill>
@@ -23656,7 +23698,7 @@
             </a:ln>
             <a:extLst>
               <a:ext uri="{91240B29-F687-4f45-9708-019B960494DF}">
-                <a14:hiddenLine xmlns="" xmlns:a16="http://schemas.microsoft.com/office/drawing/2014/main" xmlns:a14="http://schemas.microsoft.com/office/drawing/2010/main" xmlns:p14="http://schemas.microsoft.com/office/powerpoint/2010/main" w="9525">
+                <a14:hiddenLine xmlns:p14="http://schemas.microsoft.com/office/powerpoint/2010/main" xmlns:a14="http://schemas.microsoft.com/office/drawing/2010/main" xmlns:a16="http://schemas.microsoft.com/office/drawing/2014/main" xmlns="" w="9525">
                   <a:solidFill>
                     <a:srgbClr val="000000"/>
                   </a:solidFill>
@@ -23761,7 +23803,7 @@
             </a:ln>
             <a:extLst>
               <a:ext uri="{91240B29-F687-4f45-9708-019B960494DF}">
-                <a14:hiddenLine xmlns="" xmlns:a16="http://schemas.microsoft.com/office/drawing/2014/main" xmlns:a14="http://schemas.microsoft.com/office/drawing/2010/main" xmlns:p14="http://schemas.microsoft.com/office/powerpoint/2010/main" w="9525">
+                <a14:hiddenLine xmlns:p14="http://schemas.microsoft.com/office/powerpoint/2010/main" xmlns:a14="http://schemas.microsoft.com/office/drawing/2010/main" xmlns:a16="http://schemas.microsoft.com/office/drawing/2014/main" xmlns="" w="9525">
                   <a:solidFill>
                     <a:srgbClr val="000000"/>
                   </a:solidFill>
@@ -23838,7 +23880,7 @@
             </a:ln>
             <a:extLst>
               <a:ext uri="{91240B29-F687-4f45-9708-019B960494DF}">
-                <a14:hiddenLine xmlns="" xmlns:a16="http://schemas.microsoft.com/office/drawing/2014/main" xmlns:a14="http://schemas.microsoft.com/office/drawing/2010/main" xmlns:p14="http://schemas.microsoft.com/office/powerpoint/2010/main" w="9525">
+                <a14:hiddenLine xmlns:p14="http://schemas.microsoft.com/office/powerpoint/2010/main" xmlns:a14="http://schemas.microsoft.com/office/drawing/2010/main" xmlns:a16="http://schemas.microsoft.com/office/drawing/2014/main" xmlns="" w="9525">
                   <a:solidFill>
                     <a:srgbClr val="000000"/>
                   </a:solidFill>
@@ -23915,7 +23957,7 @@
             </a:ln>
             <a:extLst>
               <a:ext uri="{91240B29-F687-4f45-9708-019B960494DF}">
-                <a14:hiddenLine xmlns="" xmlns:a16="http://schemas.microsoft.com/office/drawing/2014/main" xmlns:a14="http://schemas.microsoft.com/office/drawing/2010/main" xmlns:p14="http://schemas.microsoft.com/office/powerpoint/2010/main" w="9525">
+                <a14:hiddenLine xmlns:p14="http://schemas.microsoft.com/office/powerpoint/2010/main" xmlns:a14="http://schemas.microsoft.com/office/drawing/2010/main" xmlns:a16="http://schemas.microsoft.com/office/drawing/2014/main" xmlns="" w="9525">
                   <a:solidFill>
                     <a:srgbClr val="000000"/>
                   </a:solidFill>
@@ -24020,7 +24062,7 @@
             </a:ln>
             <a:extLst>
               <a:ext uri="{91240B29-F687-4f45-9708-019B960494DF}">
-                <a14:hiddenLine xmlns="" xmlns:a16="http://schemas.microsoft.com/office/drawing/2014/main" xmlns:a14="http://schemas.microsoft.com/office/drawing/2010/main" xmlns:p14="http://schemas.microsoft.com/office/powerpoint/2010/main" w="9525">
+                <a14:hiddenLine xmlns:p14="http://schemas.microsoft.com/office/powerpoint/2010/main" xmlns:a14="http://schemas.microsoft.com/office/drawing/2010/main" xmlns:a16="http://schemas.microsoft.com/office/drawing/2014/main" xmlns="" w="9525">
                   <a:solidFill>
                     <a:srgbClr val="000000"/>
                   </a:solidFill>
@@ -24097,7 +24139,7 @@
             </a:ln>
             <a:extLst>
               <a:ext uri="{91240B29-F687-4f45-9708-019B960494DF}">
-                <a14:hiddenLine xmlns="" xmlns:a16="http://schemas.microsoft.com/office/drawing/2014/main" xmlns:a14="http://schemas.microsoft.com/office/drawing/2010/main" xmlns:p14="http://schemas.microsoft.com/office/powerpoint/2010/main" w="9525">
+                <a14:hiddenLine xmlns:p14="http://schemas.microsoft.com/office/powerpoint/2010/main" xmlns:a14="http://schemas.microsoft.com/office/drawing/2010/main" xmlns:a16="http://schemas.microsoft.com/office/drawing/2014/main" xmlns="" w="9525">
                   <a:solidFill>
                     <a:srgbClr val="000000"/>
                   </a:solidFill>
@@ -24174,7 +24216,7 @@
             </a:ln>
             <a:extLst>
               <a:ext uri="{91240B29-F687-4f45-9708-019B960494DF}">
-                <a14:hiddenLine xmlns="" xmlns:a16="http://schemas.microsoft.com/office/drawing/2014/main" xmlns:a14="http://schemas.microsoft.com/office/drawing/2010/main" xmlns:p14="http://schemas.microsoft.com/office/powerpoint/2010/main" w="9525">
+                <a14:hiddenLine xmlns:p14="http://schemas.microsoft.com/office/powerpoint/2010/main" xmlns:a14="http://schemas.microsoft.com/office/drawing/2010/main" xmlns:a16="http://schemas.microsoft.com/office/drawing/2014/main" xmlns="" w="9525">
                   <a:solidFill>
                     <a:srgbClr val="000000"/>
                   </a:solidFill>
@@ -24279,7 +24321,7 @@
             </a:ln>
             <a:extLst>
               <a:ext uri="{91240B29-F687-4f45-9708-019B960494DF}">
-                <a14:hiddenLine xmlns="" xmlns:a16="http://schemas.microsoft.com/office/drawing/2014/main" xmlns:a14="http://schemas.microsoft.com/office/drawing/2010/main" xmlns:p14="http://schemas.microsoft.com/office/powerpoint/2010/main" w="9525">
+                <a14:hiddenLine xmlns:p14="http://schemas.microsoft.com/office/powerpoint/2010/main" xmlns:a14="http://schemas.microsoft.com/office/drawing/2010/main" xmlns:a16="http://schemas.microsoft.com/office/drawing/2014/main" xmlns="" w="9525">
                   <a:solidFill>
                     <a:srgbClr val="000000"/>
                   </a:solidFill>
@@ -24384,7 +24426,7 @@
             </a:ln>
             <a:extLst>
               <a:ext uri="{91240B29-F687-4f45-9708-019B960494DF}">
-                <a14:hiddenLine xmlns="" xmlns:a16="http://schemas.microsoft.com/office/drawing/2014/main" xmlns:a14="http://schemas.microsoft.com/office/drawing/2010/main" xmlns:p14="http://schemas.microsoft.com/office/powerpoint/2010/main" w="9525">
+                <a14:hiddenLine xmlns:p14="http://schemas.microsoft.com/office/powerpoint/2010/main" xmlns:a14="http://schemas.microsoft.com/office/drawing/2010/main" xmlns:a16="http://schemas.microsoft.com/office/drawing/2014/main" xmlns="" w="9525">
                   <a:solidFill>
                     <a:srgbClr val="000000"/>
                   </a:solidFill>
@@ -24461,7 +24503,7 @@
             </a:ln>
             <a:extLst>
               <a:ext uri="{91240B29-F687-4f45-9708-019B960494DF}">
-                <a14:hiddenLine xmlns="" xmlns:a16="http://schemas.microsoft.com/office/drawing/2014/main" xmlns:a14="http://schemas.microsoft.com/office/drawing/2010/main" xmlns:p14="http://schemas.microsoft.com/office/powerpoint/2010/main" w="9525">
+                <a14:hiddenLine xmlns:p14="http://schemas.microsoft.com/office/powerpoint/2010/main" xmlns:a14="http://schemas.microsoft.com/office/drawing/2010/main" xmlns:a16="http://schemas.microsoft.com/office/drawing/2014/main" xmlns="" w="9525">
                   <a:solidFill>
                     <a:srgbClr val="000000"/>
                   </a:solidFill>
@@ -24586,7 +24628,7 @@
             </a:ln>
             <a:extLst>
               <a:ext uri="{91240B29-F687-4f45-9708-019B960494DF}">
-                <a14:hiddenLine xmlns="" xmlns:a16="http://schemas.microsoft.com/office/drawing/2014/main" xmlns:a14="http://schemas.microsoft.com/office/drawing/2010/main" xmlns:p14="http://schemas.microsoft.com/office/powerpoint/2010/main" w="9525">
+                <a14:hiddenLine xmlns:p14="http://schemas.microsoft.com/office/powerpoint/2010/main" xmlns:a14="http://schemas.microsoft.com/office/drawing/2010/main" xmlns:a16="http://schemas.microsoft.com/office/drawing/2014/main" xmlns="" w="9525">
                   <a:solidFill>
                     <a:srgbClr val="000000"/>
                   </a:solidFill>
@@ -24663,7 +24705,7 @@
             </a:ln>
             <a:extLst>
               <a:ext uri="{91240B29-F687-4f45-9708-019B960494DF}">
-                <a14:hiddenLine xmlns="" xmlns:a16="http://schemas.microsoft.com/office/drawing/2014/main" xmlns:a14="http://schemas.microsoft.com/office/drawing/2010/main" xmlns:p14="http://schemas.microsoft.com/office/powerpoint/2010/main" w="9525">
+                <a14:hiddenLine xmlns:p14="http://schemas.microsoft.com/office/powerpoint/2010/main" xmlns:a14="http://schemas.microsoft.com/office/drawing/2010/main" xmlns:a16="http://schemas.microsoft.com/office/drawing/2014/main" xmlns="" w="9525">
                   <a:solidFill>
                     <a:srgbClr val="000000"/>
                   </a:solidFill>
@@ -24768,7 +24810,7 @@
             </a:ln>
             <a:extLst>
               <a:ext uri="{91240B29-F687-4f45-9708-019B960494DF}">
-                <a14:hiddenLine xmlns="" xmlns:a16="http://schemas.microsoft.com/office/drawing/2014/main" xmlns:a14="http://schemas.microsoft.com/office/drawing/2010/main" xmlns:p14="http://schemas.microsoft.com/office/powerpoint/2010/main" w="9525">
+                <a14:hiddenLine xmlns:p14="http://schemas.microsoft.com/office/powerpoint/2010/main" xmlns:a14="http://schemas.microsoft.com/office/drawing/2010/main" xmlns:a16="http://schemas.microsoft.com/office/drawing/2014/main" xmlns="" w="9525">
                   <a:solidFill>
                     <a:srgbClr val="000000"/>
                   </a:solidFill>
@@ -24873,7 +24915,7 @@
             </a:ln>
             <a:extLst>
               <a:ext uri="{91240B29-F687-4f45-9708-019B960494DF}">
-                <a14:hiddenLine xmlns="" xmlns:a16="http://schemas.microsoft.com/office/drawing/2014/main" xmlns:a14="http://schemas.microsoft.com/office/drawing/2010/main" xmlns:p14="http://schemas.microsoft.com/office/powerpoint/2010/main" w="9525">
+                <a14:hiddenLine xmlns:p14="http://schemas.microsoft.com/office/powerpoint/2010/main" xmlns:a14="http://schemas.microsoft.com/office/drawing/2010/main" xmlns:a16="http://schemas.microsoft.com/office/drawing/2014/main" xmlns="" w="9525">
                   <a:solidFill>
                     <a:srgbClr val="000000"/>
                   </a:solidFill>
@@ -24950,7 +24992,7 @@
             </a:ln>
             <a:extLst>
               <a:ext uri="{91240B29-F687-4f45-9708-019B960494DF}">
-                <a14:hiddenLine xmlns="" xmlns:a16="http://schemas.microsoft.com/office/drawing/2014/main" xmlns:a14="http://schemas.microsoft.com/office/drawing/2010/main" xmlns:p14="http://schemas.microsoft.com/office/powerpoint/2010/main" w="9525">
+                <a14:hiddenLine xmlns:p14="http://schemas.microsoft.com/office/powerpoint/2010/main" xmlns:a14="http://schemas.microsoft.com/office/drawing/2010/main" xmlns:a16="http://schemas.microsoft.com/office/drawing/2014/main" xmlns="" w="9525">
                   <a:solidFill>
                     <a:srgbClr val="000000"/>
                   </a:solidFill>
@@ -25055,7 +25097,7 @@
             </a:ln>
             <a:extLst>
               <a:ext uri="{91240B29-F687-4f45-9708-019B960494DF}">
-                <a14:hiddenLine xmlns="" xmlns:a16="http://schemas.microsoft.com/office/drawing/2014/main" xmlns:a14="http://schemas.microsoft.com/office/drawing/2010/main" xmlns:p14="http://schemas.microsoft.com/office/powerpoint/2010/main" w="9525">
+                <a14:hiddenLine xmlns:p14="http://schemas.microsoft.com/office/powerpoint/2010/main" xmlns:a14="http://schemas.microsoft.com/office/drawing/2010/main" xmlns:a16="http://schemas.microsoft.com/office/drawing/2014/main" xmlns="" w="9525">
                   <a:solidFill>
                     <a:srgbClr val="000000"/>
                   </a:solidFill>
@@ -25160,7 +25202,7 @@
             </a:ln>
             <a:extLst>
               <a:ext uri="{91240B29-F687-4f45-9708-019B960494DF}">
-                <a14:hiddenLine xmlns="" xmlns:a16="http://schemas.microsoft.com/office/drawing/2014/main" xmlns:a14="http://schemas.microsoft.com/office/drawing/2010/main" xmlns:p14="http://schemas.microsoft.com/office/powerpoint/2010/main" w="9525">
+                <a14:hiddenLine xmlns:p14="http://schemas.microsoft.com/office/powerpoint/2010/main" xmlns:a14="http://schemas.microsoft.com/office/drawing/2010/main" xmlns:a16="http://schemas.microsoft.com/office/drawing/2014/main" xmlns="" w="9525">
                   <a:solidFill>
                     <a:srgbClr val="000000"/>
                   </a:solidFill>
@@ -25231,7 +25273,7 @@
             </a:ln>
             <a:extLst>
               <a:ext uri="{91240B29-F687-4f45-9708-019B960494DF}">
-                <a14:hiddenLine xmlns="" xmlns:a16="http://schemas.microsoft.com/office/drawing/2014/main" xmlns:a14="http://schemas.microsoft.com/office/drawing/2010/main" xmlns:p14="http://schemas.microsoft.com/office/powerpoint/2010/main" w="9525">
+                <a14:hiddenLine xmlns:p14="http://schemas.microsoft.com/office/powerpoint/2010/main" xmlns:a14="http://schemas.microsoft.com/office/drawing/2010/main" xmlns:a16="http://schemas.microsoft.com/office/drawing/2014/main" xmlns="" w="9525">
                   <a:solidFill>
                     <a:srgbClr val="000000"/>
                   </a:solidFill>
@@ -25336,7 +25378,7 @@
             </a:ln>
             <a:extLst>
               <a:ext uri="{91240B29-F687-4f45-9708-019B960494DF}">
-                <a14:hiddenLine xmlns="" xmlns:a16="http://schemas.microsoft.com/office/drawing/2014/main" xmlns:a14="http://schemas.microsoft.com/office/drawing/2010/main" xmlns:p14="http://schemas.microsoft.com/office/powerpoint/2010/main" w="9525">
+                <a14:hiddenLine xmlns:p14="http://schemas.microsoft.com/office/powerpoint/2010/main" xmlns:a14="http://schemas.microsoft.com/office/drawing/2010/main" xmlns:a16="http://schemas.microsoft.com/office/drawing/2014/main" xmlns="" w="9525">
                   <a:solidFill>
                     <a:srgbClr val="000000"/>
                   </a:solidFill>
@@ -25407,7 +25449,7 @@
             </a:ln>
             <a:extLst>
               <a:ext uri="{91240B29-F687-4f45-9708-019B960494DF}">
-                <a14:hiddenLine xmlns="" xmlns:a16="http://schemas.microsoft.com/office/drawing/2014/main" xmlns:a14="http://schemas.microsoft.com/office/drawing/2010/main" xmlns:p14="http://schemas.microsoft.com/office/powerpoint/2010/main" w="9525">
+                <a14:hiddenLine xmlns:p14="http://schemas.microsoft.com/office/powerpoint/2010/main" xmlns:a14="http://schemas.microsoft.com/office/drawing/2010/main" xmlns:a16="http://schemas.microsoft.com/office/drawing/2014/main" xmlns="" w="9525">
                   <a:solidFill>
                     <a:srgbClr val="000000"/>
                   </a:solidFill>
@@ -25512,7 +25554,7 @@
             </a:ln>
             <a:extLst>
               <a:ext uri="{91240B29-F687-4f45-9708-019B960494DF}">
-                <a14:hiddenLine xmlns="" xmlns:a16="http://schemas.microsoft.com/office/drawing/2014/main" xmlns:a14="http://schemas.microsoft.com/office/drawing/2010/main" xmlns:p14="http://schemas.microsoft.com/office/powerpoint/2010/main" w="9525">
+                <a14:hiddenLine xmlns:p14="http://schemas.microsoft.com/office/powerpoint/2010/main" xmlns:a14="http://schemas.microsoft.com/office/drawing/2010/main" xmlns:a16="http://schemas.microsoft.com/office/drawing/2014/main" xmlns="" w="9525">
                   <a:solidFill>
                     <a:srgbClr val="000000"/>
                   </a:solidFill>
@@ -25595,7 +25637,7 @@
             </a:ln>
             <a:extLst>
               <a:ext uri="{91240B29-F687-4f45-9708-019B960494DF}">
-                <a14:hiddenLine xmlns="" xmlns:a16="http://schemas.microsoft.com/office/drawing/2014/main" xmlns:a14="http://schemas.microsoft.com/office/drawing/2010/main" xmlns:p14="http://schemas.microsoft.com/office/powerpoint/2010/main" w="9525">
+                <a14:hiddenLine xmlns:p14="http://schemas.microsoft.com/office/powerpoint/2010/main" xmlns:a14="http://schemas.microsoft.com/office/drawing/2010/main" xmlns:a16="http://schemas.microsoft.com/office/drawing/2014/main" xmlns="" w="9525">
                   <a:solidFill>
                     <a:srgbClr val="000000"/>
                   </a:solidFill>
@@ -25700,7 +25742,7 @@
             </a:ln>
             <a:extLst>
               <a:ext uri="{91240B29-F687-4f45-9708-019B960494DF}">
-                <a14:hiddenLine xmlns="" xmlns:a16="http://schemas.microsoft.com/office/drawing/2014/main" xmlns:a14="http://schemas.microsoft.com/office/drawing/2010/main" xmlns:p14="http://schemas.microsoft.com/office/powerpoint/2010/main" w="9525">
+                <a14:hiddenLine xmlns:p14="http://schemas.microsoft.com/office/powerpoint/2010/main" xmlns:a14="http://schemas.microsoft.com/office/drawing/2010/main" xmlns:a16="http://schemas.microsoft.com/office/drawing/2014/main" xmlns="" w="9525">
                   <a:solidFill>
                     <a:srgbClr val="000000"/>
                   </a:solidFill>
@@ -25783,7 +25825,7 @@
             </a:ln>
             <a:extLst>
               <a:ext uri="{91240B29-F687-4f45-9708-019B960494DF}">
-                <a14:hiddenLine xmlns="" xmlns:a16="http://schemas.microsoft.com/office/drawing/2014/main" xmlns:a14="http://schemas.microsoft.com/office/drawing/2010/main" xmlns:p14="http://schemas.microsoft.com/office/powerpoint/2010/main" w="9525">
+                <a14:hiddenLine xmlns:p14="http://schemas.microsoft.com/office/powerpoint/2010/main" xmlns:a14="http://schemas.microsoft.com/office/drawing/2010/main" xmlns:a16="http://schemas.microsoft.com/office/drawing/2014/main" xmlns="" w="9525">
                   <a:solidFill>
                     <a:srgbClr val="000000"/>
                   </a:solidFill>
@@ -25888,7 +25930,7 @@
             </a:ln>
             <a:extLst>
               <a:ext uri="{91240B29-F687-4f45-9708-019B960494DF}">
-                <a14:hiddenLine xmlns="" xmlns:a16="http://schemas.microsoft.com/office/drawing/2014/main" xmlns:a14="http://schemas.microsoft.com/office/drawing/2010/main" xmlns:p14="http://schemas.microsoft.com/office/powerpoint/2010/main" w="9525">
+                <a14:hiddenLine xmlns:p14="http://schemas.microsoft.com/office/powerpoint/2010/main" xmlns:a14="http://schemas.microsoft.com/office/drawing/2010/main" xmlns:a16="http://schemas.microsoft.com/office/drawing/2014/main" xmlns="" w="9525">
                   <a:solidFill>
                     <a:srgbClr val="000000"/>
                   </a:solidFill>
@@ -25937,7 +25979,7 @@
             </a:ln>
             <a:extLst>
               <a:ext uri="{91240B29-F687-4f45-9708-019B960494DF}">
-                <a14:hiddenLine xmlns="" xmlns:a16="http://schemas.microsoft.com/office/drawing/2014/main" xmlns:a14="http://schemas.microsoft.com/office/drawing/2010/main" xmlns:p14="http://schemas.microsoft.com/office/powerpoint/2010/main" w="9525">
+                <a14:hiddenLine xmlns:p14="http://schemas.microsoft.com/office/powerpoint/2010/main" xmlns:a14="http://schemas.microsoft.com/office/drawing/2010/main" xmlns:a16="http://schemas.microsoft.com/office/drawing/2014/main" xmlns="" w="9525">
                   <a:solidFill>
                     <a:srgbClr val="000000"/>
                   </a:solidFill>
@@ -26042,7 +26084,7 @@
             </a:ln>
             <a:extLst>
               <a:ext uri="{91240B29-F687-4f45-9708-019B960494DF}">
-                <a14:hiddenLine xmlns="" xmlns:a16="http://schemas.microsoft.com/office/drawing/2014/main" xmlns:a14="http://schemas.microsoft.com/office/drawing/2010/main" xmlns:p14="http://schemas.microsoft.com/office/powerpoint/2010/main" w="9525">
+                <a14:hiddenLine xmlns:p14="http://schemas.microsoft.com/office/powerpoint/2010/main" xmlns:a14="http://schemas.microsoft.com/office/drawing/2010/main" xmlns:a16="http://schemas.microsoft.com/office/drawing/2014/main" xmlns="" w="9525">
                   <a:solidFill>
                     <a:srgbClr val="000000"/>
                   </a:solidFill>
@@ -26119,7 +26161,7 @@
             </a:ln>
             <a:extLst>
               <a:ext uri="{91240B29-F687-4f45-9708-019B960494DF}">
-                <a14:hiddenLine xmlns="" xmlns:a16="http://schemas.microsoft.com/office/drawing/2014/main" xmlns:a14="http://schemas.microsoft.com/office/drawing/2010/main" xmlns:p14="http://schemas.microsoft.com/office/powerpoint/2010/main" w="9525">
+                <a14:hiddenLine xmlns:p14="http://schemas.microsoft.com/office/powerpoint/2010/main" xmlns:a14="http://schemas.microsoft.com/office/drawing/2010/main" xmlns:a16="http://schemas.microsoft.com/office/drawing/2014/main" xmlns="" w="9525">
                   <a:solidFill>
                     <a:srgbClr val="000000"/>
                   </a:solidFill>
@@ -26196,7 +26238,7 @@
             </a:ln>
             <a:extLst>
               <a:ext uri="{91240B29-F687-4f45-9708-019B960494DF}">
-                <a14:hiddenLine xmlns="" xmlns:a16="http://schemas.microsoft.com/office/drawing/2014/main" xmlns:a14="http://schemas.microsoft.com/office/drawing/2010/main" xmlns:p14="http://schemas.microsoft.com/office/powerpoint/2010/main" w="9525">
+                <a14:hiddenLine xmlns:p14="http://schemas.microsoft.com/office/powerpoint/2010/main" xmlns:a14="http://schemas.microsoft.com/office/drawing/2010/main" xmlns:a16="http://schemas.microsoft.com/office/drawing/2014/main" xmlns="" w="9525">
                   <a:solidFill>
                     <a:srgbClr val="000000"/>
                   </a:solidFill>
@@ -26301,7 +26343,7 @@
             </a:ln>
             <a:extLst>
               <a:ext uri="{91240B29-F687-4f45-9708-019B960494DF}">
-                <a14:hiddenLine xmlns="" xmlns:a16="http://schemas.microsoft.com/office/drawing/2014/main" xmlns:a14="http://schemas.microsoft.com/office/drawing/2010/main" xmlns:p14="http://schemas.microsoft.com/office/powerpoint/2010/main" w="9525">
+                <a14:hiddenLine xmlns:p14="http://schemas.microsoft.com/office/powerpoint/2010/main" xmlns:a14="http://schemas.microsoft.com/office/drawing/2010/main" xmlns:a16="http://schemas.microsoft.com/office/drawing/2014/main" xmlns="" w="9525">
                   <a:solidFill>
                     <a:srgbClr val="000000"/>
                   </a:solidFill>
@@ -26384,7 +26426,7 @@
             </a:ln>
             <a:extLst>
               <a:ext uri="{91240B29-F687-4f45-9708-019B960494DF}">
-                <a14:hiddenLine xmlns="" xmlns:a16="http://schemas.microsoft.com/office/drawing/2014/main" xmlns:a14="http://schemas.microsoft.com/office/drawing/2010/main" xmlns:p14="http://schemas.microsoft.com/office/powerpoint/2010/main" w="9525">
+                <a14:hiddenLine xmlns:p14="http://schemas.microsoft.com/office/powerpoint/2010/main" xmlns:a14="http://schemas.microsoft.com/office/drawing/2010/main" xmlns:a16="http://schemas.microsoft.com/office/drawing/2014/main" xmlns="" w="9525">
                   <a:solidFill>
                     <a:srgbClr val="000000"/>
                   </a:solidFill>
@@ -26461,7 +26503,7 @@
             </a:ln>
             <a:extLst>
               <a:ext uri="{91240B29-F687-4f45-9708-019B960494DF}">
-                <a14:hiddenLine xmlns="" xmlns:a16="http://schemas.microsoft.com/office/drawing/2014/main" xmlns:a14="http://schemas.microsoft.com/office/drawing/2010/main" xmlns:p14="http://schemas.microsoft.com/office/powerpoint/2010/main" w="9525">
+                <a14:hiddenLine xmlns:p14="http://schemas.microsoft.com/office/powerpoint/2010/main" xmlns:a14="http://schemas.microsoft.com/office/drawing/2010/main" xmlns:a16="http://schemas.microsoft.com/office/drawing/2014/main" xmlns="" w="9525">
                   <a:solidFill>
                     <a:srgbClr val="000000"/>
                   </a:solidFill>
@@ -26566,7 +26608,7 @@
             </a:ln>
             <a:extLst>
               <a:ext uri="{91240B29-F687-4f45-9708-019B960494DF}">
-                <a14:hiddenLine xmlns="" xmlns:a16="http://schemas.microsoft.com/office/drawing/2014/main" xmlns:a14="http://schemas.microsoft.com/office/drawing/2010/main" xmlns:p14="http://schemas.microsoft.com/office/powerpoint/2010/main" w="9525">
+                <a14:hiddenLine xmlns:p14="http://schemas.microsoft.com/office/powerpoint/2010/main" xmlns:a14="http://schemas.microsoft.com/office/drawing/2010/main" xmlns:a16="http://schemas.microsoft.com/office/drawing/2014/main" xmlns="" w="9525">
                   <a:solidFill>
                     <a:srgbClr val="000000"/>
                   </a:solidFill>
@@ -26643,7 +26685,7 @@
             </a:ln>
             <a:extLst>
               <a:ext uri="{91240B29-F687-4f45-9708-019B960494DF}">
-                <a14:hiddenLine xmlns="" xmlns:a16="http://schemas.microsoft.com/office/drawing/2014/main" xmlns:a14="http://schemas.microsoft.com/office/drawing/2010/main" xmlns:p14="http://schemas.microsoft.com/office/powerpoint/2010/main" w="9525">
+                <a14:hiddenLine xmlns:p14="http://schemas.microsoft.com/office/powerpoint/2010/main" xmlns:a14="http://schemas.microsoft.com/office/drawing/2010/main" xmlns:a16="http://schemas.microsoft.com/office/drawing/2014/main" xmlns="" w="9525">
                   <a:solidFill>
                     <a:srgbClr val="000000"/>
                   </a:solidFill>
@@ -26748,7 +26790,7 @@
             </a:ln>
             <a:extLst>
               <a:ext uri="{91240B29-F687-4f45-9708-019B960494DF}">
-                <a14:hiddenLine xmlns="" xmlns:a16="http://schemas.microsoft.com/office/drawing/2014/main" xmlns:a14="http://schemas.microsoft.com/office/drawing/2010/main" xmlns:p14="http://schemas.microsoft.com/office/powerpoint/2010/main" w="9525">
+                <a14:hiddenLine xmlns:p14="http://schemas.microsoft.com/office/powerpoint/2010/main" xmlns:a14="http://schemas.microsoft.com/office/drawing/2010/main" xmlns:a16="http://schemas.microsoft.com/office/drawing/2014/main" xmlns="" w="9525">
                   <a:solidFill>
                     <a:srgbClr val="000000"/>
                   </a:solidFill>
@@ -26825,7 +26867,7 @@
             </a:ln>
             <a:extLst>
               <a:ext uri="{91240B29-F687-4f45-9708-019B960494DF}">
-                <a14:hiddenLine xmlns="" xmlns:a16="http://schemas.microsoft.com/office/drawing/2014/main" xmlns:a14="http://schemas.microsoft.com/office/drawing/2010/main" xmlns:p14="http://schemas.microsoft.com/office/powerpoint/2010/main" w="9525">
+                <a14:hiddenLine xmlns:p14="http://schemas.microsoft.com/office/powerpoint/2010/main" xmlns:a14="http://schemas.microsoft.com/office/drawing/2010/main" xmlns:a16="http://schemas.microsoft.com/office/drawing/2014/main" xmlns="" w="9525">
                   <a:solidFill>
                     <a:srgbClr val="000000"/>
                   </a:solidFill>
@@ -26930,7 +26972,7 @@
             </a:ln>
             <a:extLst>
               <a:ext uri="{91240B29-F687-4f45-9708-019B960494DF}">
-                <a14:hiddenLine xmlns="" xmlns:a16="http://schemas.microsoft.com/office/drawing/2014/main" xmlns:a14="http://schemas.microsoft.com/office/drawing/2010/main" xmlns:p14="http://schemas.microsoft.com/office/powerpoint/2010/main" w="9525">
+                <a14:hiddenLine xmlns:p14="http://schemas.microsoft.com/office/powerpoint/2010/main" xmlns:a14="http://schemas.microsoft.com/office/drawing/2010/main" xmlns:a16="http://schemas.microsoft.com/office/drawing/2014/main" xmlns="" w="9525">
                   <a:solidFill>
                     <a:srgbClr val="000000"/>
                   </a:solidFill>
@@ -26979,7 +27021,7 @@
             </a:ln>
             <a:extLst>
               <a:ext uri="{91240B29-F687-4f45-9708-019B960494DF}">
-                <a14:hiddenLine xmlns="" xmlns:a16="http://schemas.microsoft.com/office/drawing/2014/main" xmlns:a14="http://schemas.microsoft.com/office/drawing/2010/main" xmlns:p14="http://schemas.microsoft.com/office/powerpoint/2010/main" w="9525">
+                <a14:hiddenLine xmlns:p14="http://schemas.microsoft.com/office/powerpoint/2010/main" xmlns:a14="http://schemas.microsoft.com/office/drawing/2010/main" xmlns:a16="http://schemas.microsoft.com/office/drawing/2014/main" xmlns="" w="9525">
                   <a:solidFill>
                     <a:srgbClr val="000000"/>
                   </a:solidFill>
@@ -27059,7 +27101,7 @@
             </a:ln>
             <a:extLst>
               <a:ext uri="{91240B29-F687-4f45-9708-019B960494DF}">
-                <a14:hiddenLine xmlns="" xmlns:a16="http://schemas.microsoft.com/office/drawing/2014/main" xmlns:a14="http://schemas.microsoft.com/office/drawing/2010/main" xmlns:p14="http://schemas.microsoft.com/office/powerpoint/2010/main" w="9525">
+                <a14:hiddenLine xmlns:p14="http://schemas.microsoft.com/office/powerpoint/2010/main" xmlns:a14="http://schemas.microsoft.com/office/drawing/2010/main" xmlns:a16="http://schemas.microsoft.com/office/drawing/2014/main" xmlns="" w="9525">
                   <a:solidFill>
                     <a:srgbClr val="000000"/>
                   </a:solidFill>
@@ -27164,7 +27206,7 @@
             </a:ln>
             <a:extLst>
               <a:ext uri="{91240B29-F687-4f45-9708-019B960494DF}">
-                <a14:hiddenLine xmlns="" xmlns:a16="http://schemas.microsoft.com/office/drawing/2014/main" xmlns:a14="http://schemas.microsoft.com/office/drawing/2010/main" xmlns:p14="http://schemas.microsoft.com/office/powerpoint/2010/main" w="9525">
+                <a14:hiddenLine xmlns:p14="http://schemas.microsoft.com/office/powerpoint/2010/main" xmlns:a14="http://schemas.microsoft.com/office/drawing/2010/main" xmlns:a16="http://schemas.microsoft.com/office/drawing/2014/main" xmlns="" w="9525">
                   <a:solidFill>
                     <a:srgbClr val="000000"/>
                   </a:solidFill>
@@ -27241,7 +27283,7 @@
             </a:ln>
             <a:extLst>
               <a:ext uri="{91240B29-F687-4f45-9708-019B960494DF}">
-                <a14:hiddenLine xmlns="" xmlns:a16="http://schemas.microsoft.com/office/drawing/2014/main" xmlns:a14="http://schemas.microsoft.com/office/drawing/2010/main" xmlns:p14="http://schemas.microsoft.com/office/powerpoint/2010/main" w="9525">
+                <a14:hiddenLine xmlns:p14="http://schemas.microsoft.com/office/powerpoint/2010/main" xmlns:a14="http://schemas.microsoft.com/office/drawing/2010/main" xmlns:a16="http://schemas.microsoft.com/office/drawing/2014/main" xmlns="" w="9525">
                   <a:solidFill>
                     <a:srgbClr val="000000"/>
                   </a:solidFill>
@@ -27346,7 +27388,7 @@
             </a:ln>
             <a:extLst>
               <a:ext uri="{91240B29-F687-4f45-9708-019B960494DF}">
-                <a14:hiddenLine xmlns="" xmlns:a16="http://schemas.microsoft.com/office/drawing/2014/main" xmlns:a14="http://schemas.microsoft.com/office/drawing/2010/main" xmlns:p14="http://schemas.microsoft.com/office/powerpoint/2010/main" w="9525">
+                <a14:hiddenLine xmlns:p14="http://schemas.microsoft.com/office/powerpoint/2010/main" xmlns:a14="http://schemas.microsoft.com/office/drawing/2010/main" xmlns:a16="http://schemas.microsoft.com/office/drawing/2014/main" xmlns="" w="9525">
                   <a:solidFill>
                     <a:srgbClr val="000000"/>
                   </a:solidFill>
@@ -27451,7 +27493,7 @@
             </a:ln>
             <a:extLst>
               <a:ext uri="{91240B29-F687-4f45-9708-019B960494DF}">
-                <a14:hiddenLine xmlns="" xmlns:a16="http://schemas.microsoft.com/office/drawing/2014/main" xmlns:a14="http://schemas.microsoft.com/office/drawing/2010/main" xmlns:p14="http://schemas.microsoft.com/office/powerpoint/2010/main" w="9525">
+                <a14:hiddenLine xmlns:p14="http://schemas.microsoft.com/office/powerpoint/2010/main" xmlns:a14="http://schemas.microsoft.com/office/drawing/2010/main" xmlns:a16="http://schemas.microsoft.com/office/drawing/2014/main" xmlns="" w="9525">
                   <a:solidFill>
                     <a:srgbClr val="000000"/>
                   </a:solidFill>
@@ -27531,7 +27573,7 @@
             </a:ln>
             <a:extLst>
               <a:ext uri="{91240B29-F687-4f45-9708-019B960494DF}">
-                <a14:hiddenLine xmlns="" xmlns:a16="http://schemas.microsoft.com/office/drawing/2014/main" xmlns:a14="http://schemas.microsoft.com/office/drawing/2010/main" xmlns:p14="http://schemas.microsoft.com/office/powerpoint/2010/main" w="9525">
+                <a14:hiddenLine xmlns:p14="http://schemas.microsoft.com/office/powerpoint/2010/main" xmlns:a14="http://schemas.microsoft.com/office/drawing/2010/main" xmlns:a16="http://schemas.microsoft.com/office/drawing/2014/main" xmlns="" w="9525">
                   <a:solidFill>
                     <a:srgbClr val="000000"/>
                   </a:solidFill>
@@ -27608,7 +27650,7 @@
             </a:ln>
             <a:extLst>
               <a:ext uri="{91240B29-F687-4f45-9708-019B960494DF}">
-                <a14:hiddenLine xmlns="" xmlns:a16="http://schemas.microsoft.com/office/drawing/2014/main" xmlns:a14="http://schemas.microsoft.com/office/drawing/2010/main" xmlns:p14="http://schemas.microsoft.com/office/powerpoint/2010/main" w="9525">
+                <a14:hiddenLine xmlns:p14="http://schemas.microsoft.com/office/powerpoint/2010/main" xmlns:a14="http://schemas.microsoft.com/office/drawing/2010/main" xmlns:a16="http://schemas.microsoft.com/office/drawing/2014/main" xmlns="" w="9525">
                   <a:solidFill>
                     <a:srgbClr val="000000"/>
                   </a:solidFill>
@@ -27713,7 +27755,7 @@
             </a:ln>
             <a:extLst>
               <a:ext uri="{91240B29-F687-4f45-9708-019B960494DF}">
-                <a14:hiddenLine xmlns="" xmlns:a16="http://schemas.microsoft.com/office/drawing/2014/main" xmlns:a14="http://schemas.microsoft.com/office/drawing/2010/main" xmlns:p14="http://schemas.microsoft.com/office/powerpoint/2010/main" w="9525">
+                <a14:hiddenLine xmlns:p14="http://schemas.microsoft.com/office/powerpoint/2010/main" xmlns:a14="http://schemas.microsoft.com/office/drawing/2010/main" xmlns:a16="http://schemas.microsoft.com/office/drawing/2014/main" xmlns="" w="9525">
                   <a:solidFill>
                     <a:srgbClr val="000000"/>
                   </a:solidFill>
@@ -27818,7 +27860,7 @@
             </a:ln>
             <a:extLst>
               <a:ext uri="{91240B29-F687-4f45-9708-019B960494DF}">
-                <a14:hiddenLine xmlns="" xmlns:a16="http://schemas.microsoft.com/office/drawing/2014/main" xmlns:a14="http://schemas.microsoft.com/office/drawing/2010/main" xmlns:p14="http://schemas.microsoft.com/office/powerpoint/2010/main" w="9525">
+                <a14:hiddenLine xmlns:p14="http://schemas.microsoft.com/office/powerpoint/2010/main" xmlns:a14="http://schemas.microsoft.com/office/drawing/2010/main" xmlns:a16="http://schemas.microsoft.com/office/drawing/2014/main" xmlns="" w="9525">
                   <a:solidFill>
                     <a:srgbClr val="000000"/>
                   </a:solidFill>
@@ -27895,7 +27937,7 @@
             </a:ln>
             <a:extLst>
               <a:ext uri="{91240B29-F687-4f45-9708-019B960494DF}">
-                <a14:hiddenLine xmlns="" xmlns:a16="http://schemas.microsoft.com/office/drawing/2014/main" xmlns:a14="http://schemas.microsoft.com/office/drawing/2010/main" xmlns:p14="http://schemas.microsoft.com/office/powerpoint/2010/main" w="9525">
+                <a14:hiddenLine xmlns:p14="http://schemas.microsoft.com/office/powerpoint/2010/main" xmlns:a14="http://schemas.microsoft.com/office/drawing/2010/main" xmlns:a16="http://schemas.microsoft.com/office/drawing/2014/main" xmlns="" w="9525">
                   <a:solidFill>
                     <a:srgbClr val="000000"/>
                   </a:solidFill>
@@ -28030,7 +28072,7 @@
             </a:ln>
             <a:extLst>
               <a:ext uri="{91240B29-F687-4f45-9708-019B960494DF}">
-                <a14:hiddenLine xmlns="" xmlns:a16="http://schemas.microsoft.com/office/drawing/2014/main" xmlns:a14="http://schemas.microsoft.com/office/drawing/2010/main" xmlns:p14="http://schemas.microsoft.com/office/powerpoint/2010/main" w="9525">
+                <a14:hiddenLine xmlns:p14="http://schemas.microsoft.com/office/powerpoint/2010/main" xmlns:a14="http://schemas.microsoft.com/office/drawing/2010/main" xmlns:a16="http://schemas.microsoft.com/office/drawing/2014/main" xmlns="" w="9525">
                   <a:solidFill>
                     <a:srgbClr val="000000"/>
                   </a:solidFill>
@@ -28113,7 +28155,7 @@
             </a:ln>
             <a:extLst>
               <a:ext uri="{91240B29-F687-4f45-9708-019B960494DF}">
-                <a14:hiddenLine xmlns="" xmlns:a16="http://schemas.microsoft.com/office/drawing/2014/main" xmlns:a14="http://schemas.microsoft.com/office/drawing/2010/main" xmlns:p14="http://schemas.microsoft.com/office/powerpoint/2010/main" w="9525">
+                <a14:hiddenLine xmlns:p14="http://schemas.microsoft.com/office/powerpoint/2010/main" xmlns:a14="http://schemas.microsoft.com/office/drawing/2010/main" xmlns:a16="http://schemas.microsoft.com/office/drawing/2014/main" xmlns="" w="9525">
                   <a:solidFill>
                     <a:srgbClr val="000000"/>
                   </a:solidFill>
@@ -28218,7 +28260,7 @@
             </a:ln>
             <a:extLst>
               <a:ext uri="{91240B29-F687-4f45-9708-019B960494DF}">
-                <a14:hiddenLine xmlns="" xmlns:a16="http://schemas.microsoft.com/office/drawing/2014/main" xmlns:a14="http://schemas.microsoft.com/office/drawing/2010/main" xmlns:p14="http://schemas.microsoft.com/office/powerpoint/2010/main" w="9525">
+                <a14:hiddenLine xmlns:p14="http://schemas.microsoft.com/office/powerpoint/2010/main" xmlns:a14="http://schemas.microsoft.com/office/drawing/2010/main" xmlns:a16="http://schemas.microsoft.com/office/drawing/2014/main" xmlns="" w="9525">
                   <a:solidFill>
                     <a:srgbClr val="000000"/>
                   </a:solidFill>
